--- a/aina-marketing-foundations.pptx
+++ b/aina-marketing-foundations.pptx
@@ -5,7 +5,7 @@
     <p:sldMasterId id="2147483648" r:id="rId1"/>
   </p:sldMasterIdLst>
   <p:notesMasterIdLst>
-    <p:notesMasterId r:id="rId20"/>
+    <p:notesMasterId r:id="rId24"/>
   </p:notesMasterIdLst>
   <p:sldIdLst>
     <p:sldId id="437" r:id="rId2"/>
@@ -19,13 +19,17 @@
     <p:sldId id="426" r:id="rId10"/>
     <p:sldId id="440" r:id="rId11"/>
     <p:sldId id="490" r:id="rId12"/>
-    <p:sldId id="489" r:id="rId13"/>
-    <p:sldId id="491" r:id="rId14"/>
-    <p:sldId id="492" r:id="rId15"/>
-    <p:sldId id="431" r:id="rId16"/>
-    <p:sldId id="336" r:id="rId17"/>
-    <p:sldId id="434" r:id="rId18"/>
-    <p:sldId id="432" r:id="rId19"/>
+    <p:sldId id="544" r:id="rId13"/>
+    <p:sldId id="489" r:id="rId14"/>
+    <p:sldId id="491" r:id="rId15"/>
+    <p:sldId id="493" r:id="rId16"/>
+    <p:sldId id="543" r:id="rId17"/>
+    <p:sldId id="492" r:id="rId18"/>
+    <p:sldId id="434" r:id="rId19"/>
+    <p:sldId id="431" r:id="rId20"/>
+    <p:sldId id="545" r:id="rId21"/>
+    <p:sldId id="336" r:id="rId22"/>
+    <p:sldId id="432" r:id="rId23"/>
   </p:sldIdLst>
   <p:sldSz cx="12192000" cy="6858000"/>
   <p:notesSz cx="6858000" cy="9144000"/>
@@ -2239,6 +2243,258 @@
 </p:notes>
 </file>
 
+<file path=ppt/notesSlides/notesSlide10.xml><?xml version="1.0" encoding="utf-8"?>
+<p:notes xmlns:a="http://schemas.openxmlformats.org/drawingml/2006/main" xmlns:r="http://schemas.openxmlformats.org/officeDocument/2006/relationships" xmlns:p="http://schemas.openxmlformats.org/presentationml/2006/main">
+  <p:cSld>
+    <p:spTree>
+      <p:nvGrpSpPr>
+        <p:cNvPr id="1" name=""/>
+        <p:cNvGrpSpPr/>
+        <p:nvPr/>
+      </p:nvGrpSpPr>
+      <p:grpSpPr>
+        <a:xfrm>
+          <a:off x="0" y="0"/>
+          <a:ext cx="0" cy="0"/>
+          <a:chOff x="0" y="0"/>
+          <a:chExt cx="0" cy="0"/>
+        </a:xfrm>
+      </p:grpSpPr>
+      <p:sp>
+        <p:nvSpPr>
+          <p:cNvPr id="2" name="Slide Image Placeholder 1"/>
+          <p:cNvSpPr>
+            <a:spLocks noGrp="1" noRot="1" noChangeAspect="1"/>
+          </p:cNvSpPr>
+          <p:nvPr>
+            <p:ph type="sldImg"/>
+          </p:nvPr>
+        </p:nvSpPr>
+        <p:spPr/>
+      </p:sp>
+      <p:sp>
+        <p:nvSpPr>
+          <p:cNvPr id="3" name="Notes Placeholder 2"/>
+          <p:cNvSpPr>
+            <a:spLocks noGrp="1"/>
+          </p:cNvSpPr>
+          <p:nvPr>
+            <p:ph type="body" idx="1"/>
+          </p:nvPr>
+        </p:nvSpPr>
+        <p:spPr/>
+        <p:txBody>
+          <a:bodyPr/>
+          <a:lstStyle/>
+          <a:p>
+            <a:endParaRPr lang="en-US" dirty="0"/>
+          </a:p>
+        </p:txBody>
+      </p:sp>
+      <p:sp>
+        <p:nvSpPr>
+          <p:cNvPr id="4" name="Slide Number Placeholder 3"/>
+          <p:cNvSpPr>
+            <a:spLocks noGrp="1"/>
+          </p:cNvSpPr>
+          <p:nvPr>
+            <p:ph type="sldNum" sz="quarter" idx="5"/>
+          </p:nvPr>
+        </p:nvSpPr>
+        <p:spPr/>
+        <p:txBody>
+          <a:bodyPr/>
+          <a:lstStyle/>
+          <a:p>
+            <a:fld id="{3BB66621-ADCC-4EF8-8003-B9D3E881DCD2}" type="slidenum">
+              <a:rPr lang="en-US" smtClean="0"/>
+              <a:t>16</a:t>
+            </a:fld>
+            <a:endParaRPr lang="en-US"/>
+          </a:p>
+        </p:txBody>
+      </p:sp>
+    </p:spTree>
+    <p:extLst>
+      <p:ext uri="{BB962C8B-B14F-4D97-AF65-F5344CB8AC3E}">
+        <p14:creationId xmlns:p14="http://schemas.microsoft.com/office/powerpoint/2010/main" val="4178150201"/>
+      </p:ext>
+    </p:extLst>
+  </p:cSld>
+  <p:clrMapOvr>
+    <a:masterClrMapping/>
+  </p:clrMapOvr>
+</p:notes>
+</file>
+
+<file path=ppt/notesSlides/notesSlide11.xml><?xml version="1.0" encoding="utf-8"?>
+<p:notes xmlns:a="http://schemas.openxmlformats.org/drawingml/2006/main" xmlns:r="http://schemas.openxmlformats.org/officeDocument/2006/relationships" xmlns:p="http://schemas.openxmlformats.org/presentationml/2006/main">
+  <p:cSld>
+    <p:spTree>
+      <p:nvGrpSpPr>
+        <p:cNvPr id="1" name=""/>
+        <p:cNvGrpSpPr/>
+        <p:nvPr/>
+      </p:nvGrpSpPr>
+      <p:grpSpPr>
+        <a:xfrm>
+          <a:off x="0" y="0"/>
+          <a:ext cx="0" cy="0"/>
+          <a:chOff x="0" y="0"/>
+          <a:chExt cx="0" cy="0"/>
+        </a:xfrm>
+      </p:grpSpPr>
+      <p:sp>
+        <p:nvSpPr>
+          <p:cNvPr id="2" name="Slide Image Placeholder 1"/>
+          <p:cNvSpPr>
+            <a:spLocks noGrp="1" noRot="1" noChangeAspect="1"/>
+          </p:cNvSpPr>
+          <p:nvPr>
+            <p:ph type="sldImg"/>
+          </p:nvPr>
+        </p:nvSpPr>
+        <p:spPr/>
+      </p:sp>
+      <p:sp>
+        <p:nvSpPr>
+          <p:cNvPr id="3" name="Notes Placeholder 2"/>
+          <p:cNvSpPr>
+            <a:spLocks noGrp="1"/>
+          </p:cNvSpPr>
+          <p:nvPr>
+            <p:ph type="body" idx="1"/>
+          </p:nvPr>
+        </p:nvSpPr>
+        <p:spPr/>
+        <p:txBody>
+          <a:bodyPr/>
+          <a:lstStyle/>
+          <a:p>
+            <a:endParaRPr lang="en-US" dirty="0"/>
+          </a:p>
+        </p:txBody>
+      </p:sp>
+      <p:sp>
+        <p:nvSpPr>
+          <p:cNvPr id="4" name="Slide Number Placeholder 3"/>
+          <p:cNvSpPr>
+            <a:spLocks noGrp="1"/>
+          </p:cNvSpPr>
+          <p:nvPr>
+            <p:ph type="sldNum" sz="quarter" idx="5"/>
+          </p:nvPr>
+        </p:nvSpPr>
+        <p:spPr/>
+        <p:txBody>
+          <a:bodyPr/>
+          <a:lstStyle/>
+          <a:p>
+            <a:fld id="{3BB66621-ADCC-4EF8-8003-B9D3E881DCD2}" type="slidenum">
+              <a:rPr lang="en-US" smtClean="0"/>
+              <a:t>17</a:t>
+            </a:fld>
+            <a:endParaRPr lang="en-US"/>
+          </a:p>
+        </p:txBody>
+      </p:sp>
+    </p:spTree>
+    <p:extLst>
+      <p:ext uri="{BB962C8B-B14F-4D97-AF65-F5344CB8AC3E}">
+        <p14:creationId xmlns:p14="http://schemas.microsoft.com/office/powerpoint/2010/main" val="3088178149"/>
+      </p:ext>
+    </p:extLst>
+  </p:cSld>
+  <p:clrMapOvr>
+    <a:masterClrMapping/>
+  </p:clrMapOvr>
+</p:notes>
+</file>
+
+<file path=ppt/notesSlides/notesSlide12.xml><?xml version="1.0" encoding="utf-8"?>
+<p:notes xmlns:a="http://schemas.openxmlformats.org/drawingml/2006/main" xmlns:r="http://schemas.openxmlformats.org/officeDocument/2006/relationships" xmlns:p="http://schemas.openxmlformats.org/presentationml/2006/main">
+  <p:cSld>
+    <p:spTree>
+      <p:nvGrpSpPr>
+        <p:cNvPr id="1" name=""/>
+        <p:cNvGrpSpPr/>
+        <p:nvPr/>
+      </p:nvGrpSpPr>
+      <p:grpSpPr>
+        <a:xfrm>
+          <a:off x="0" y="0"/>
+          <a:ext cx="0" cy="0"/>
+          <a:chOff x="0" y="0"/>
+          <a:chExt cx="0" cy="0"/>
+        </a:xfrm>
+      </p:grpSpPr>
+      <p:sp>
+        <p:nvSpPr>
+          <p:cNvPr id="2" name="Slide Image Placeholder 1"/>
+          <p:cNvSpPr>
+            <a:spLocks noGrp="1" noRot="1" noChangeAspect="1"/>
+          </p:cNvSpPr>
+          <p:nvPr>
+            <p:ph type="sldImg"/>
+          </p:nvPr>
+        </p:nvSpPr>
+        <p:spPr/>
+      </p:sp>
+      <p:sp>
+        <p:nvSpPr>
+          <p:cNvPr id="3" name="Notes Placeholder 2"/>
+          <p:cNvSpPr>
+            <a:spLocks noGrp="1"/>
+          </p:cNvSpPr>
+          <p:nvPr>
+            <p:ph type="body" idx="1"/>
+          </p:nvPr>
+        </p:nvSpPr>
+        <p:spPr/>
+        <p:txBody>
+          <a:bodyPr/>
+          <a:lstStyle/>
+          <a:p>
+            <a:endParaRPr lang="en-US" dirty="0"/>
+          </a:p>
+        </p:txBody>
+      </p:sp>
+      <p:sp>
+        <p:nvSpPr>
+          <p:cNvPr id="4" name="Slide Number Placeholder 3"/>
+          <p:cNvSpPr>
+            <a:spLocks noGrp="1"/>
+          </p:cNvSpPr>
+          <p:nvPr>
+            <p:ph type="sldNum" sz="quarter" idx="5"/>
+          </p:nvPr>
+        </p:nvSpPr>
+        <p:spPr/>
+        <p:txBody>
+          <a:bodyPr/>
+          <a:lstStyle/>
+          <a:p>
+            <a:fld id="{F9DB3DAC-CD90-4DD2-80B1-E135CFB4F8DD}" type="slidenum">
+              <a:rPr lang="en-US" smtClean="0"/>
+              <a:t>20</a:t>
+            </a:fld>
+            <a:endParaRPr lang="en-US"/>
+          </a:p>
+        </p:txBody>
+      </p:sp>
+    </p:spTree>
+    <p:extLst>
+      <p:ext uri="{BB962C8B-B14F-4D97-AF65-F5344CB8AC3E}">
+        <p14:creationId xmlns:p14="http://schemas.microsoft.com/office/powerpoint/2010/main" val="4120546429"/>
+      </p:ext>
+    </p:extLst>
+  </p:cSld>
+  <p:clrMapOvr>
+    <a:masterClrMapping/>
+  </p:clrMapOvr>
+</p:notes>
+</file>
+
 <file path=ppt/notesSlides/notesSlide2.xml><?xml version="1.0" encoding="utf-8"?>
 <p:notes xmlns:a="http://schemas.openxmlformats.org/drawingml/2006/main" xmlns:r="http://schemas.openxmlformats.org/officeDocument/2006/relationships" xmlns:p="http://schemas.openxmlformats.org/presentationml/2006/main">
   <p:cSld>
@@ -2768,7 +3024,7 @@
           <a:p>
             <a:fld id="{F9DB3DAC-CD90-4DD2-80B1-E135CFB4F8DD}" type="slidenum">
               <a:rPr lang="en-US" smtClean="0"/>
-              <a:t>12</a:t>
+              <a:t>13</a:t>
             </a:fld>
             <a:endParaRPr lang="en-US"/>
           </a:p>
@@ -2852,7 +3108,7 @@
           <a:p>
             <a:fld id="{3BB66621-ADCC-4EF8-8003-B9D3E881DCD2}" type="slidenum">
               <a:rPr lang="en-US" smtClean="0"/>
-              <a:t>13</a:t>
+              <a:t>14</a:t>
             </a:fld>
             <a:endParaRPr lang="en-US"/>
           </a:p>
@@ -2915,6 +3171,38 @@
           <a:bodyPr/>
           <a:lstStyle/>
           <a:p>
+            <a:r>
+              <a:rPr lang="en-US" dirty="0"/>
+              <a:t>Let’s take an example from the housing prices dataset in the book. Let’s say that our null is there is no difference in sales prices for homes with our without air conditioning. If we did indeed live in this world, and we tested for significance at the 95% confidence level, then we would </a:t>
+            </a:r>
+            <a:r>
+              <a:rPr lang="en-US" i="1" dirty="0"/>
+              <a:t>still </a:t>
+            </a:r>
+            <a:r>
+              <a:rPr lang="en-US" i="0" dirty="0"/>
+              <a:t>find a significant difference in sales prices in 5% of our samples, due to random error. </a:t>
+            </a:r>
+          </a:p>
+          <a:p>
+            <a:endParaRPr lang="en-US" i="0" dirty="0"/>
+          </a:p>
+          <a:p>
+            <a:r>
+              <a:rPr lang="en-US" i="0" dirty="0"/>
+              <a:t>That’s a 1 in 20 chance of finding a significant difference when there is none! So if we do a bunch of tests, the higher our chances that we will hit a significant finding due to random chance. This is called </a:t>
+            </a:r>
+            <a:r>
+              <a:rPr lang="en-US" i="0" dirty="0" err="1"/>
+              <a:t>experimentwise</a:t>
+            </a:r>
+            <a:r>
+              <a:rPr lang="en-US" i="0" dirty="0"/>
+              <a:t> error.</a:t>
+            </a:r>
+            <a:endParaRPr lang="en-US" dirty="0"/>
+          </a:p>
+          <a:p>
             <a:endParaRPr lang="en-US" dirty="0"/>
           </a:p>
         </p:txBody>
@@ -2934,9 +3222,9 @@
           <a:bodyPr/>
           <a:lstStyle/>
           <a:p>
-            <a:fld id="{3BB66621-ADCC-4EF8-8003-B9D3E881DCD2}" type="slidenum">
+            <a:fld id="{F9DB3DAC-CD90-4DD2-80B1-E135CFB4F8DD}" type="slidenum">
               <a:rPr lang="en-US" smtClean="0"/>
-              <a:t>14</a:t>
+              <a:t>15</a:t>
             </a:fld>
             <a:endParaRPr lang="en-US"/>
           </a:p>
@@ -2945,7 +3233,7 @@
     </p:spTree>
     <p:extLst>
       <p:ext uri="{BB962C8B-B14F-4D97-AF65-F5344CB8AC3E}">
-        <p14:creationId xmlns:p14="http://schemas.microsoft.com/office/powerpoint/2010/main" val="3088178149"/>
+        <p14:creationId xmlns:p14="http://schemas.microsoft.com/office/powerpoint/2010/main" val="1311398244"/>
       </p:ext>
     </p:extLst>
   </p:cSld>
@@ -6450,6 +6738,137 @@
           <p:nvPr/>
         </p:nvPicPr>
         <p:blipFill rotWithShape="1">
+          <a:blip r:embed="rId2">
+            <a:extLst>
+              <a:ext uri="{28A0092B-C50C-407E-A947-70E740481C1C}">
+                <a14:useLocalDpi xmlns:a14="http://schemas.microsoft.com/office/drawing/2010/main" val="0"/>
+              </a:ext>
+            </a:extLst>
+          </a:blip>
+          <a:srcRect l="50728" t="56371"/>
+          <a:stretch/>
+        </p:blipFill>
+        <p:spPr>
+          <a:xfrm>
+            <a:off x="8136460" y="2210765"/>
+            <a:ext cx="4055539" cy="4647236"/>
+          </a:xfrm>
+          <a:prstGeom prst="rect">
+            <a:avLst/>
+          </a:prstGeom>
+        </p:spPr>
+      </p:pic>
+      <p:pic>
+        <p:nvPicPr>
+          <p:cNvPr id="4" name="Picture 3"/>
+          <p:cNvPicPr>
+            <a:picLocks noChangeAspect="1"/>
+          </p:cNvPicPr>
+          <p:nvPr/>
+        </p:nvPicPr>
+        <p:blipFill>
+          <a:blip r:embed="rId3">
+            <a:extLst>
+              <a:ext uri="{28A0092B-C50C-407E-A947-70E740481C1C}">
+                <a14:useLocalDpi xmlns:a14="http://schemas.microsoft.com/office/drawing/2010/main" val="0"/>
+              </a:ext>
+            </a:extLst>
+          </a:blip>
+          <a:stretch>
+            <a:fillRect/>
+          </a:stretch>
+        </p:blipFill>
+        <p:spPr>
+          <a:xfrm>
+            <a:off x="-538496" y="-2482770"/>
+            <a:ext cx="10171472" cy="7459883"/>
+          </a:xfrm>
+          <a:prstGeom prst="rect">
+            <a:avLst/>
+          </a:prstGeom>
+        </p:spPr>
+      </p:pic>
+      <p:sp>
+        <p:nvSpPr>
+          <p:cNvPr id="11" name="TextBox 10"/>
+          <p:cNvSpPr txBox="1"/>
+          <p:nvPr/>
+        </p:nvSpPr>
+        <p:spPr>
+          <a:xfrm>
+            <a:off x="324091" y="1687545"/>
+            <a:ext cx="7986531" cy="1077218"/>
+          </a:xfrm>
+          <a:prstGeom prst="rect">
+            <a:avLst/>
+          </a:prstGeom>
+          <a:noFill/>
+        </p:spPr>
+        <p:txBody>
+          <a:bodyPr wrap="square" rtlCol="0">
+            <a:spAutoFit/>
+          </a:bodyPr>
+          <a:lstStyle/>
+          <a:p>
+            <a:r>
+              <a:rPr lang="en-US" sz="4400" b="1" dirty="0">
+                <a:solidFill>
+                  <a:srgbClr val="707070"/>
+                </a:solidFill>
+                <a:latin typeface="Pragmatica" panose="020B0403040502020204" pitchFamily="34" charset="0"/>
+              </a:rPr>
+              <a:t>Questions?</a:t>
+            </a:r>
+          </a:p>
+          <a:p>
+            <a:endParaRPr lang="en-US" sz="2000" b="1" i="1" dirty="0">
+              <a:solidFill>
+                <a:srgbClr val="707070"/>
+              </a:solidFill>
+              <a:latin typeface="Pragmatica" panose="020B0403040502020204" pitchFamily="34" charset="0"/>
+            </a:endParaRPr>
+          </a:p>
+        </p:txBody>
+      </p:sp>
+    </p:spTree>
+    <p:extLst>
+      <p:ext uri="{BB962C8B-B14F-4D97-AF65-F5344CB8AC3E}">
+        <p14:creationId xmlns:p14="http://schemas.microsoft.com/office/powerpoint/2010/main" val="939983159"/>
+      </p:ext>
+    </p:extLst>
+  </p:cSld>
+  <p:clrMapOvr>
+    <a:masterClrMapping/>
+  </p:clrMapOvr>
+</p:sld>
+</file>
+
+<file path=ppt/slides/slide13.xml><?xml version="1.0" encoding="utf-8"?>
+<p:sld xmlns:a="http://schemas.openxmlformats.org/drawingml/2006/main" xmlns:r="http://schemas.openxmlformats.org/officeDocument/2006/relationships" xmlns:p="http://schemas.openxmlformats.org/presentationml/2006/main">
+  <p:cSld>
+    <p:spTree>
+      <p:nvGrpSpPr>
+        <p:cNvPr id="1" name=""/>
+        <p:cNvGrpSpPr/>
+        <p:nvPr/>
+      </p:nvGrpSpPr>
+      <p:grpSpPr>
+        <a:xfrm>
+          <a:off x="0" y="0"/>
+          <a:ext cx="0" cy="0"/>
+          <a:chOff x="0" y="0"/>
+          <a:chExt cx="0" cy="0"/>
+        </a:xfrm>
+      </p:grpSpPr>
+      <p:pic>
+        <p:nvPicPr>
+          <p:cNvPr id="10" name="Picture 9"/>
+          <p:cNvPicPr>
+            <a:picLocks noChangeAspect="1"/>
+          </p:cNvPicPr>
+          <p:nvPr/>
+        </p:nvPicPr>
+        <p:blipFill rotWithShape="1">
           <a:blip r:embed="rId3">
             <a:extLst>
               <a:ext uri="{28A0092B-C50C-407E-A947-70E740481C1C}">
@@ -6798,7 +7217,7 @@
 </p:sld>
 </file>
 
-<file path=ppt/slides/slide13.xml><?xml version="1.0" encoding="utf-8"?>
+<file path=ppt/slides/slide14.xml><?xml version="1.0" encoding="utf-8"?>
 <p:sld xmlns:a="http://schemas.openxmlformats.org/drawingml/2006/main" xmlns:r="http://schemas.openxmlformats.org/officeDocument/2006/relationships" xmlns:p="http://schemas.openxmlformats.org/presentationml/2006/main">
   <p:cSld>
     <p:spTree>
@@ -7008,233 +7427,40 @@
           </a:p>
         </p:txBody>
       </p:sp>
-    </p:spTree>
-    <p:extLst>
-      <p:ext uri="{BB962C8B-B14F-4D97-AF65-F5344CB8AC3E}">
-        <p14:creationId xmlns:p14="http://schemas.microsoft.com/office/powerpoint/2010/main" val="2429823759"/>
-      </p:ext>
-    </p:extLst>
-  </p:cSld>
-  <p:clrMapOvr>
-    <a:masterClrMapping/>
-  </p:clrMapOvr>
-</p:sld>
-</file>
-
-<file path=ppt/slides/slide14.xml><?xml version="1.0" encoding="utf-8"?>
-<p:sld xmlns:a="http://schemas.openxmlformats.org/drawingml/2006/main" xmlns:r="http://schemas.openxmlformats.org/officeDocument/2006/relationships" xmlns:p="http://schemas.openxmlformats.org/presentationml/2006/main">
-  <p:cSld>
-    <p:spTree>
-      <p:nvGrpSpPr>
-        <p:cNvPr id="1" name=""/>
-        <p:cNvGrpSpPr/>
-        <p:nvPr/>
-      </p:nvGrpSpPr>
-      <p:grpSpPr>
-        <a:xfrm>
-          <a:off x="0" y="0"/>
-          <a:ext cx="0" cy="0"/>
-          <a:chOff x="0" y="0"/>
-          <a:chExt cx="0" cy="0"/>
-        </a:xfrm>
-      </p:grpSpPr>
-      <p:sp>
-        <p:nvSpPr>
-          <p:cNvPr id="4" name="Rectangle 3"/>
-          <p:cNvSpPr/>
-          <p:nvPr/>
-        </p:nvSpPr>
-        <p:spPr>
-          <a:xfrm>
-            <a:off x="6574420" y="0"/>
-            <a:ext cx="5617580" cy="6858000"/>
-          </a:xfrm>
-          <a:prstGeom prst="rect">
-            <a:avLst/>
-          </a:prstGeom>
-          <a:solidFill>
-            <a:srgbClr val="CF3338"/>
-          </a:solidFill>
-        </p:spPr>
-        <p:style>
-          <a:lnRef idx="2">
-            <a:schemeClr val="accent1">
-              <a:shade val="50000"/>
-            </a:schemeClr>
-          </a:lnRef>
-          <a:fillRef idx="1">
-            <a:schemeClr val="accent1"/>
-          </a:fillRef>
-          <a:effectRef idx="0">
-            <a:schemeClr val="accent1"/>
-          </a:effectRef>
-          <a:fontRef idx="minor">
-            <a:schemeClr val="lt1"/>
-          </a:fontRef>
-        </p:style>
-        <p:txBody>
-          <a:bodyPr rtlCol="0" anchor="ctr"/>
-          <a:lstStyle/>
-          <a:p>
-            <a:pPr algn="ctr"/>
-            <a:endParaRPr lang="en-US"/>
-          </a:p>
-        </p:txBody>
-      </p:sp>
-      <p:sp>
-        <p:nvSpPr>
-          <p:cNvPr id="5" name="TextBox 4"/>
-          <p:cNvSpPr txBox="1"/>
-          <p:nvPr/>
-        </p:nvSpPr>
-        <p:spPr>
-          <a:xfrm>
-            <a:off x="6817489" y="0"/>
-            <a:ext cx="4120587" cy="1446550"/>
-          </a:xfrm>
-          <a:prstGeom prst="rect">
-            <a:avLst/>
-          </a:prstGeom>
-          <a:noFill/>
-        </p:spPr>
-        <p:txBody>
-          <a:bodyPr wrap="square" rtlCol="0">
-            <a:spAutoFit/>
-          </a:bodyPr>
-          <a:lstStyle/>
-          <a:p>
-            <a:r>
-              <a:rPr lang="en-US" sz="8800" dirty="0">
-                <a:solidFill>
-                  <a:schemeClr val="bg1"/>
-                </a:solidFill>
-                <a:latin typeface="Aliens &amp; cows" panose="00000500000000000000" pitchFamily="2" charset="0"/>
-              </a:rPr>
-              <a:t>Demo</a:t>
-            </a:r>
-          </a:p>
-        </p:txBody>
-      </p:sp>
       <p:pic>
         <p:nvPicPr>
-          <p:cNvPr id="2" name="Picture 1"/>
+          <p:cNvPr id="7" name="Picture 6">
+            <a:extLst>
+              <a:ext uri="{FF2B5EF4-FFF2-40B4-BE49-F238E27FC236}">
+                <a16:creationId xmlns:a16="http://schemas.microsoft.com/office/drawing/2014/main" id="{AB407452-070C-4CA5-894E-5D2DF92E8578}"/>
+              </a:ext>
+            </a:extLst>
+          </p:cNvPr>
           <p:cNvPicPr>
             <a:picLocks noChangeAspect="1"/>
           </p:cNvPicPr>
           <p:nvPr/>
         </p:nvPicPr>
-        <p:blipFill rotWithShape="1">
-          <a:blip r:embed="rId3">
-            <a:extLst>
-              <a:ext uri="{28A0092B-C50C-407E-A947-70E740481C1C}">
-                <a14:useLocalDpi xmlns:a14="http://schemas.microsoft.com/office/drawing/2010/main" val="0"/>
-              </a:ext>
-            </a:extLst>
-          </a:blip>
-          <a:srcRect l="69227" t="33418" r="20112" b="50548"/>
-          <a:stretch/>
+        <p:blipFill>
+          <a:blip r:embed="rId4"/>
+          <a:stretch>
+            <a:fillRect/>
+          </a:stretch>
         </p:blipFill>
         <p:spPr>
           <a:xfrm>
-            <a:off x="10386349" y="5029795"/>
-            <a:ext cx="1805651" cy="1991719"/>
+            <a:off x="628457" y="3429000"/>
+            <a:ext cx="5761905" cy="942857"/>
           </a:xfrm>
           <a:prstGeom prst="rect">
             <a:avLst/>
           </a:prstGeom>
         </p:spPr>
       </p:pic>
-      <p:sp>
-        <p:nvSpPr>
-          <p:cNvPr id="3" name="TextBox 2"/>
-          <p:cNvSpPr txBox="1"/>
-          <p:nvPr/>
-        </p:nvSpPr>
-        <p:spPr>
-          <a:xfrm>
-            <a:off x="173620" y="219919"/>
-            <a:ext cx="5937813" cy="2246769"/>
-          </a:xfrm>
-          <a:prstGeom prst="rect">
-            <a:avLst/>
-          </a:prstGeom>
-          <a:noFill/>
-        </p:spPr>
-        <p:txBody>
-          <a:bodyPr wrap="square" rtlCol="0">
-            <a:spAutoFit/>
-          </a:bodyPr>
-          <a:lstStyle/>
-          <a:p>
-            <a:r>
-              <a:rPr lang="en-US" sz="2800" b="1" dirty="0">
-                <a:solidFill>
-                  <a:srgbClr val="CF3338"/>
-                </a:solidFill>
-                <a:latin typeface="Pragmatica" pitchFamily="2" charset="0"/>
-              </a:rPr>
-              <a:t>Data analytics in Python</a:t>
-            </a:r>
-          </a:p>
-          <a:p>
-            <a:endParaRPr lang="en-US" sz="2800" b="1" dirty="0">
-              <a:solidFill>
-                <a:srgbClr val="CF3338"/>
-              </a:solidFill>
-              <a:latin typeface="Pragmatica" pitchFamily="2" charset="0"/>
-            </a:endParaRPr>
-          </a:p>
-          <a:p>
-            <a:pPr marL="514350" indent="-514350">
-              <a:buFont typeface="Arial" panose="020B0604020202020204" pitchFamily="34" charset="0"/>
-              <a:buChar char="•"/>
-            </a:pPr>
-            <a:r>
-              <a:rPr lang="en-US" sz="2800" b="1" dirty="0">
-                <a:solidFill>
-                  <a:srgbClr val="CF3338"/>
-                </a:solidFill>
-                <a:latin typeface="Pragmatica" pitchFamily="2" charset="0"/>
-              </a:rPr>
-              <a:t>Does a vehicle’s weight significantly impact its mileage?</a:t>
-            </a:r>
-          </a:p>
-          <a:p>
-            <a:pPr marL="514350" indent="-514350">
-              <a:buFont typeface="Arial" panose="020B0604020202020204" pitchFamily="34" charset="0"/>
-              <a:buChar char="•"/>
-            </a:pPr>
-            <a:r>
-              <a:rPr lang="en-US" sz="2800" b="1" dirty="0">
-                <a:solidFill>
-                  <a:srgbClr val="CF3338"/>
-                </a:solidFill>
-                <a:latin typeface="Pragmatica" pitchFamily="2" charset="0"/>
-              </a:rPr>
-              <a:t>Script: </a:t>
-            </a:r>
-            <a:r>
-              <a:rPr lang="en-US" sz="2800" b="1" dirty="0" err="1">
-                <a:solidFill>
-                  <a:srgbClr val="CF3338"/>
-                </a:solidFill>
-                <a:latin typeface="Consolas" panose="020B0609020204030204" pitchFamily="49" charset="0"/>
-              </a:rPr>
-              <a:t>mpg.ipynb</a:t>
-            </a:r>
-            <a:endParaRPr lang="en-US" sz="2800" b="1" dirty="0">
-              <a:solidFill>
-                <a:srgbClr val="CF3338"/>
-              </a:solidFill>
-              <a:latin typeface="Pragmatica" pitchFamily="2" charset="0"/>
-            </a:endParaRPr>
-          </a:p>
-        </p:txBody>
-      </p:sp>
     </p:spTree>
     <p:extLst>
       <p:ext uri="{BB962C8B-B14F-4D97-AF65-F5344CB8AC3E}">
-        <p14:creationId xmlns:p14="http://schemas.microsoft.com/office/powerpoint/2010/main" val="1394051579"/>
+        <p14:creationId xmlns:p14="http://schemas.microsoft.com/office/powerpoint/2010/main" val="2429823759"/>
       </p:ext>
     </p:extLst>
   </p:cSld>
@@ -7261,59 +7487,81 @@
           <a:chExt cx="0" cy="0"/>
         </a:xfrm>
       </p:grpSpPr>
-      <p:sp>
-        <p:nvSpPr>
-          <p:cNvPr id="4" name="Rectangle 3"/>
-          <p:cNvSpPr/>
+      <p:pic>
+        <p:nvPicPr>
+          <p:cNvPr id="3" name="Picture 2">
+            <a:extLst>
+              <a:ext uri="{FF2B5EF4-FFF2-40B4-BE49-F238E27FC236}">
+                <a16:creationId xmlns:a16="http://schemas.microsoft.com/office/drawing/2014/main" id="{5EA304D9-0427-4A04-8552-9FD6E56D7864}"/>
+              </a:ext>
+            </a:extLst>
+          </p:cNvPr>
+          <p:cNvPicPr>
+            <a:picLocks noChangeAspect="1"/>
+          </p:cNvPicPr>
           <p:nvPr/>
-        </p:nvSpPr>
-        <p:spPr>
-          <a:xfrm>
-            <a:off x="0" y="0"/>
-            <a:ext cx="12192000" cy="6858000"/>
+        </p:nvPicPr>
+        <p:blipFill>
+          <a:blip r:embed="rId3"/>
+          <a:stretch>
+            <a:fillRect/>
+          </a:stretch>
+        </p:blipFill>
+        <p:spPr>
+          <a:xfrm>
+            <a:off x="7048499" y="0"/>
+            <a:ext cx="5143500" cy="6858000"/>
           </a:xfrm>
           <a:prstGeom prst="rect">
             <a:avLst/>
           </a:prstGeom>
-          <a:solidFill>
-            <a:srgbClr val="CF3338"/>
-          </a:solidFill>
-        </p:spPr>
-        <p:style>
-          <a:lnRef idx="2">
-            <a:schemeClr val="accent1">
-              <a:shade val="50000"/>
-            </a:schemeClr>
-          </a:lnRef>
-          <a:fillRef idx="1">
-            <a:schemeClr val="accent1"/>
-          </a:fillRef>
-          <a:effectRef idx="0">
-            <a:schemeClr val="accent1"/>
-          </a:effectRef>
-          <a:fontRef idx="minor">
-            <a:schemeClr val="lt1"/>
-          </a:fontRef>
-        </p:style>
-        <p:txBody>
-          <a:bodyPr rtlCol="0" anchor="ctr"/>
-          <a:lstStyle/>
-          <a:p>
-            <a:pPr algn="ctr"/>
-            <a:endParaRPr lang="en-US"/>
-          </a:p>
-        </p:txBody>
-      </p:sp>
-      <p:sp>
-        <p:nvSpPr>
-          <p:cNvPr id="5" name="TextBox 4"/>
+        </p:spPr>
+      </p:pic>
+      <p:pic>
+        <p:nvPicPr>
+          <p:cNvPr id="10" name="Picture 9"/>
+          <p:cNvPicPr>
+            <a:picLocks noChangeAspect="1"/>
+          </p:cNvPicPr>
+          <p:nvPr/>
+        </p:nvPicPr>
+        <p:blipFill rotWithShape="1">
+          <a:blip r:embed="rId4">
+            <a:extLst>
+              <a:ext uri="{28A0092B-C50C-407E-A947-70E740481C1C}">
+                <a14:useLocalDpi xmlns:a14="http://schemas.microsoft.com/office/drawing/2010/main" val="0"/>
+              </a:ext>
+            </a:extLst>
+          </a:blip>
+          <a:srcRect l="50728" t="56371"/>
+          <a:stretch/>
+        </p:blipFill>
+        <p:spPr>
+          <a:xfrm>
+            <a:off x="10894024" y="5370653"/>
+            <a:ext cx="1297975" cy="1487348"/>
+          </a:xfrm>
+          <a:prstGeom prst="rect">
+            <a:avLst/>
+          </a:prstGeom>
+        </p:spPr>
+      </p:pic>
+      <p:sp>
+        <p:nvSpPr>
+          <p:cNvPr id="14" name="TextBox 13">
+            <a:extLst>
+              <a:ext uri="{FF2B5EF4-FFF2-40B4-BE49-F238E27FC236}">
+                <a16:creationId xmlns:a16="http://schemas.microsoft.com/office/drawing/2014/main" id="{F6C5EE83-44AB-40CE-9233-7437DDE03EA0}"/>
+              </a:ext>
+            </a:extLst>
+          </p:cNvPr>
           <p:cNvSpPr txBox="1"/>
           <p:nvPr/>
         </p:nvSpPr>
         <p:spPr>
           <a:xfrm>
-            <a:off x="520861" y="393539"/>
-            <a:ext cx="10324617" cy="1107996"/>
+            <a:off x="399871" y="1727960"/>
+            <a:ext cx="7986531" cy="1815882"/>
           </a:xfrm>
           <a:prstGeom prst="rect">
             <a:avLst/>
@@ -7326,14 +7574,76 @@
           </a:bodyPr>
           <a:lstStyle/>
           <a:p>
-            <a:r>
-              <a:rPr lang="en-US" sz="6600" b="1" dirty="0">
+            <a:pPr marL="514350" indent="-514350">
+              <a:buAutoNum type="arabicPeriod"/>
+            </a:pPr>
+            <a:r>
+              <a:rPr lang="en-US" sz="2800" b="1" dirty="0">
                 <a:solidFill>
-                  <a:schemeClr val="bg1"/>
+                  <a:srgbClr val="707070"/>
                 </a:solidFill>
-                <a:latin typeface="Pragmatica" pitchFamily="2" charset="0"/>
+                <a:latin typeface="Pragmatica" panose="020B0403040502020204" pitchFamily="34" charset="0"/>
               </a:rPr>
-              <a:t>Conclusion/Next steps</a:t>
+              <a:t>Install the “app” (This has been done for you for Python)</a:t>
+            </a:r>
+          </a:p>
+          <a:p>
+            <a:pPr marL="514350" indent="-514350">
+              <a:buAutoNum type="arabicPeriod"/>
+            </a:pPr>
+            <a:r>
+              <a:rPr lang="en-US" sz="2800" b="1" dirty="0">
+                <a:solidFill>
+                  <a:srgbClr val="707070"/>
+                </a:solidFill>
+                <a:latin typeface="Pragmatica" panose="020B0403040502020204" pitchFamily="34" charset="0"/>
+              </a:rPr>
+              <a:t>Open it to run</a:t>
+            </a:r>
+          </a:p>
+          <a:p>
+            <a:endParaRPr lang="en-US" sz="2800" b="1" dirty="0">
+              <a:solidFill>
+                <a:srgbClr val="707070"/>
+              </a:solidFill>
+              <a:latin typeface="Pragmatica" panose="020B0403040502020204" pitchFamily="34" charset="0"/>
+            </a:endParaRPr>
+          </a:p>
+        </p:txBody>
+      </p:sp>
+      <p:sp>
+        <p:nvSpPr>
+          <p:cNvPr id="17" name="TextBox 16">
+            <a:extLst>
+              <a:ext uri="{FF2B5EF4-FFF2-40B4-BE49-F238E27FC236}">
+                <a16:creationId xmlns:a16="http://schemas.microsoft.com/office/drawing/2014/main" id="{247B7D4D-86A2-4C05-8B53-B00B9FEDB7BD}"/>
+              </a:ext>
+            </a:extLst>
+          </p:cNvPr>
+          <p:cNvSpPr txBox="1"/>
+          <p:nvPr/>
+        </p:nvSpPr>
+        <p:spPr>
+          <a:xfrm>
+            <a:off x="347240" y="113388"/>
+            <a:ext cx="9799937" cy="1015663"/>
+          </a:xfrm>
+          <a:prstGeom prst="rect">
+            <a:avLst/>
+          </a:prstGeom>
+          <a:noFill/>
+        </p:spPr>
+        <p:txBody>
+          <a:bodyPr wrap="square" rtlCol="0">
+            <a:spAutoFit/>
+          </a:bodyPr>
+          <a:lstStyle/>
+          <a:p>
+            <a:r>
+              <a:rPr lang="en-US" sz="6000" dirty="0">
+                <a:latin typeface="Aliens &amp; cows" panose="00000500000000000000" pitchFamily="2" charset="0"/>
+              </a:rPr>
+              <a:t>The package two-step…</a:t>
             </a:r>
           </a:p>
         </p:txBody>
@@ -7341,7 +7651,7 @@
     </p:spTree>
     <p:extLst>
       <p:ext uri="{BB962C8B-B14F-4D97-AF65-F5344CB8AC3E}">
-        <p14:creationId xmlns:p14="http://schemas.microsoft.com/office/powerpoint/2010/main" val="1922980201"/>
+        <p14:creationId xmlns:p14="http://schemas.microsoft.com/office/powerpoint/2010/main" val="3825020630"/>
       </p:ext>
     </p:extLst>
   </p:cSld>
@@ -7377,7 +7687,7 @@
           <p:nvPr/>
         </p:nvPicPr>
         <p:blipFill rotWithShape="1">
-          <a:blip r:embed="rId2">
+          <a:blip r:embed="rId3">
             <a:extLst>
               <a:ext uri="{28A0092B-C50C-407E-A947-70E740481C1C}">
                 <a14:useLocalDpi xmlns:a14="http://schemas.microsoft.com/office/drawing/2010/main" val="0"/>
@@ -7389,106 +7699,117 @@
         </p:blipFill>
         <p:spPr>
           <a:xfrm>
-            <a:off x="8136460" y="2210765"/>
-            <a:ext cx="4055539" cy="4647236"/>
+            <a:off x="10894024" y="5370653"/>
+            <a:ext cx="1297975" cy="1487348"/>
           </a:xfrm>
           <a:prstGeom prst="rect">
             <a:avLst/>
           </a:prstGeom>
         </p:spPr>
       </p:pic>
+      <p:sp>
+        <p:nvSpPr>
+          <p:cNvPr id="11" name="TextBox 10"/>
+          <p:cNvSpPr txBox="1"/>
+          <p:nvPr/>
+        </p:nvSpPr>
+        <p:spPr>
+          <a:xfrm>
+            <a:off x="347240" y="113388"/>
+            <a:ext cx="10861534" cy="1446550"/>
+          </a:xfrm>
+          <a:prstGeom prst="rect">
+            <a:avLst/>
+          </a:prstGeom>
+          <a:noFill/>
+        </p:spPr>
+        <p:txBody>
+          <a:bodyPr wrap="square" rtlCol="0">
+            <a:spAutoFit/>
+          </a:bodyPr>
+          <a:lstStyle/>
+          <a:p>
+            <a:r>
+              <a:rPr lang="en-US" sz="4800" dirty="0">
+                <a:latin typeface="Aliens &amp; cows" panose="00000500000000000000" pitchFamily="2" charset="0"/>
+              </a:rPr>
+              <a:t>Does a line run through it?</a:t>
+            </a:r>
+          </a:p>
+          <a:p>
+            <a:r>
+              <a:rPr lang="en-US" sz="4000" dirty="0">
+                <a:latin typeface="Aliens &amp; cows" panose="00000500000000000000" pitchFamily="2" charset="0"/>
+              </a:rPr>
+              <a:t>(And what is the slope and intercept?)</a:t>
+            </a:r>
+          </a:p>
+        </p:txBody>
+      </p:sp>
       <p:pic>
         <p:nvPicPr>
-          <p:cNvPr id="4" name="Picture 3"/>
+          <p:cNvPr id="3" name="Picture 2">
+            <a:extLst>
+              <a:ext uri="{FF2B5EF4-FFF2-40B4-BE49-F238E27FC236}">
+                <a16:creationId xmlns:a16="http://schemas.microsoft.com/office/drawing/2014/main" id="{121688CA-08A4-48D5-B7ED-B63372A2335C}"/>
+              </a:ext>
+            </a:extLst>
+          </p:cNvPr>
           <p:cNvPicPr>
             <a:picLocks noChangeAspect="1"/>
           </p:cNvPicPr>
           <p:nvPr/>
         </p:nvPicPr>
         <p:blipFill>
-          <a:blip r:embed="rId3">
-            <a:extLst>
-              <a:ext uri="{28A0092B-C50C-407E-A947-70E740481C1C}">
-                <a14:useLocalDpi xmlns:a14="http://schemas.microsoft.com/office/drawing/2010/main" val="0"/>
-              </a:ext>
-            </a:extLst>
-          </a:blip>
+          <a:blip r:embed="rId4"/>
           <a:stretch>
             <a:fillRect/>
           </a:stretch>
         </p:blipFill>
         <p:spPr>
           <a:xfrm>
-            <a:off x="-538496" y="-2482770"/>
-            <a:ext cx="10171472" cy="7459883"/>
+            <a:off x="158421" y="2345932"/>
+            <a:ext cx="4584589" cy="2755631"/>
           </a:xfrm>
           <a:prstGeom prst="rect">
             <a:avLst/>
           </a:prstGeom>
         </p:spPr>
       </p:pic>
-      <p:sp>
-        <p:nvSpPr>
-          <p:cNvPr id="11" name="TextBox 10"/>
-          <p:cNvSpPr txBox="1"/>
+      <p:pic>
+        <p:nvPicPr>
+          <p:cNvPr id="5" name="Picture 4">
+            <a:extLst>
+              <a:ext uri="{FF2B5EF4-FFF2-40B4-BE49-F238E27FC236}">
+                <a16:creationId xmlns:a16="http://schemas.microsoft.com/office/drawing/2014/main" id="{FC2E33FE-DC32-476D-B50D-2732E4B21984}"/>
+              </a:ext>
+            </a:extLst>
+          </p:cNvPr>
+          <p:cNvPicPr>
+            <a:picLocks noChangeAspect="1"/>
+          </p:cNvPicPr>
           <p:nvPr/>
-        </p:nvSpPr>
-        <p:spPr>
-          <a:xfrm>
-            <a:off x="324091" y="1687545"/>
-            <a:ext cx="7986531" cy="1384995"/>
+        </p:nvPicPr>
+        <p:blipFill>
+          <a:blip r:embed="rId5"/>
+          <a:stretch>
+            <a:fillRect/>
+          </a:stretch>
+        </p:blipFill>
+        <p:spPr>
+          <a:xfrm>
+            <a:off x="4958109" y="2345932"/>
+            <a:ext cx="7117441" cy="3672244"/>
           </a:xfrm>
           <a:prstGeom prst="rect">
             <a:avLst/>
           </a:prstGeom>
-          <a:noFill/>
-        </p:spPr>
-        <p:txBody>
-          <a:bodyPr wrap="square" rtlCol="0">
-            <a:spAutoFit/>
-          </a:bodyPr>
-          <a:lstStyle/>
-          <a:p>
-            <a:r>
-              <a:rPr lang="en-US" sz="2800" b="1" dirty="0">
-                <a:solidFill>
-                  <a:srgbClr val="707070"/>
-                </a:solidFill>
-                <a:latin typeface="Pragmatica" panose="020B0403040502020204" pitchFamily="34" charset="0"/>
-              </a:rPr>
-              <a:t>Event survey: </a:t>
-            </a:r>
-            <a:r>
-              <a:rPr lang="en-US" sz="2800" b="1" dirty="0">
-                <a:solidFill>
-                  <a:srgbClr val="707070"/>
-                </a:solidFill>
-                <a:latin typeface="Pragmatica" panose="020B0403040502020204" pitchFamily="34" charset="0"/>
-                <a:hlinkClick r:id="rId4"/>
-              </a:rPr>
-              <a:t>https://forms.office.com/r/0ZnD0LxpZy</a:t>
-            </a:r>
-            <a:endParaRPr lang="en-US" sz="2800" b="1" dirty="0">
-              <a:solidFill>
-                <a:srgbClr val="707070"/>
-              </a:solidFill>
-              <a:latin typeface="Pragmatica" panose="020B0403040502020204" pitchFamily="34" charset="0"/>
-            </a:endParaRPr>
-          </a:p>
-          <a:p>
-            <a:endParaRPr lang="en-US" sz="2800" b="1" dirty="0">
-              <a:solidFill>
-                <a:srgbClr val="707070"/>
-              </a:solidFill>
-              <a:latin typeface="Pragmatica" panose="020B0403040502020204" pitchFamily="34" charset="0"/>
-            </a:endParaRPr>
-          </a:p>
-        </p:txBody>
-      </p:sp>
+        </p:spPr>
+      </p:pic>
     </p:spTree>
     <p:extLst>
       <p:ext uri="{BB962C8B-B14F-4D97-AF65-F5344CB8AC3E}">
-        <p14:creationId xmlns:p14="http://schemas.microsoft.com/office/powerpoint/2010/main" val="2312071835"/>
+        <p14:creationId xmlns:p14="http://schemas.microsoft.com/office/powerpoint/2010/main" val="724925270"/>
       </p:ext>
     </p:extLst>
   </p:cSld>
@@ -7515,44 +7836,92 @@
           <a:chExt cx="0" cy="0"/>
         </a:xfrm>
       </p:grpSpPr>
+      <p:sp>
+        <p:nvSpPr>
+          <p:cNvPr id="4" name="Rectangle 3"/>
+          <p:cNvSpPr/>
+          <p:nvPr/>
+        </p:nvSpPr>
+        <p:spPr>
+          <a:xfrm>
+            <a:off x="6574420" y="0"/>
+            <a:ext cx="5617580" cy="6858000"/>
+          </a:xfrm>
+          <a:prstGeom prst="rect">
+            <a:avLst/>
+          </a:prstGeom>
+          <a:solidFill>
+            <a:srgbClr val="CF3338"/>
+          </a:solidFill>
+        </p:spPr>
+        <p:style>
+          <a:lnRef idx="2">
+            <a:schemeClr val="accent1">
+              <a:shade val="50000"/>
+            </a:schemeClr>
+          </a:lnRef>
+          <a:fillRef idx="1">
+            <a:schemeClr val="accent1"/>
+          </a:fillRef>
+          <a:effectRef idx="0">
+            <a:schemeClr val="accent1"/>
+          </a:effectRef>
+          <a:fontRef idx="minor">
+            <a:schemeClr val="lt1"/>
+          </a:fontRef>
+        </p:style>
+        <p:txBody>
+          <a:bodyPr rtlCol="0" anchor="ctr"/>
+          <a:lstStyle/>
+          <a:p>
+            <a:pPr algn="ctr"/>
+            <a:endParaRPr lang="en-US"/>
+          </a:p>
+        </p:txBody>
+      </p:sp>
+      <p:sp>
+        <p:nvSpPr>
+          <p:cNvPr id="5" name="TextBox 4"/>
+          <p:cNvSpPr txBox="1"/>
+          <p:nvPr/>
+        </p:nvSpPr>
+        <p:spPr>
+          <a:xfrm>
+            <a:off x="6817489" y="0"/>
+            <a:ext cx="4120587" cy="1446550"/>
+          </a:xfrm>
+          <a:prstGeom prst="rect">
+            <a:avLst/>
+          </a:prstGeom>
+          <a:noFill/>
+        </p:spPr>
+        <p:txBody>
+          <a:bodyPr wrap="square" rtlCol="0">
+            <a:spAutoFit/>
+          </a:bodyPr>
+          <a:lstStyle/>
+          <a:p>
+            <a:r>
+              <a:rPr lang="en-US" sz="8800" dirty="0">
+                <a:solidFill>
+                  <a:schemeClr val="bg1"/>
+                </a:solidFill>
+                <a:latin typeface="Aliens &amp; cows" panose="00000500000000000000" pitchFamily="2" charset="0"/>
+              </a:rPr>
+              <a:t>Demo</a:t>
+            </a:r>
+          </a:p>
+        </p:txBody>
+      </p:sp>
       <p:pic>
         <p:nvPicPr>
-          <p:cNvPr id="10" name="Picture 9"/>
+          <p:cNvPr id="2" name="Picture 1"/>
           <p:cNvPicPr>
             <a:picLocks noChangeAspect="1"/>
           </p:cNvPicPr>
           <p:nvPr/>
         </p:nvPicPr>
         <p:blipFill rotWithShape="1">
-          <a:blip r:embed="rId2">
-            <a:extLst>
-              <a:ext uri="{28A0092B-C50C-407E-A947-70E740481C1C}">
-                <a14:useLocalDpi xmlns:a14="http://schemas.microsoft.com/office/drawing/2010/main" val="0"/>
-              </a:ext>
-            </a:extLst>
-          </a:blip>
-          <a:srcRect l="50728" t="56371"/>
-          <a:stretch/>
-        </p:blipFill>
-        <p:spPr>
-          <a:xfrm>
-            <a:off x="8136460" y="2210765"/>
-            <a:ext cx="4055539" cy="4647236"/>
-          </a:xfrm>
-          <a:prstGeom prst="rect">
-            <a:avLst/>
-          </a:prstGeom>
-        </p:spPr>
-      </p:pic>
-      <p:pic>
-        <p:nvPicPr>
-          <p:cNvPr id="4" name="Picture 3"/>
-          <p:cNvPicPr>
-            <a:picLocks noChangeAspect="1"/>
-          </p:cNvPicPr>
-          <p:nvPr/>
-        </p:nvPicPr>
-        <p:blipFill>
           <a:blip r:embed="rId3">
             <a:extLst>
               <a:ext uri="{28A0092B-C50C-407E-A947-70E740481C1C}">
@@ -7560,66 +7929,140 @@
               </a:ext>
             </a:extLst>
           </a:blip>
+          <a:srcRect l="69227" t="33418" r="20112" b="50548"/>
+          <a:stretch/>
+        </p:blipFill>
+        <p:spPr>
+          <a:xfrm>
+            <a:off x="10386349" y="5029795"/>
+            <a:ext cx="1805651" cy="1991719"/>
+          </a:xfrm>
+          <a:prstGeom prst="rect">
+            <a:avLst/>
+          </a:prstGeom>
+        </p:spPr>
+      </p:pic>
+      <p:sp>
+        <p:nvSpPr>
+          <p:cNvPr id="3" name="TextBox 2"/>
+          <p:cNvSpPr txBox="1"/>
+          <p:nvPr/>
+        </p:nvSpPr>
+        <p:spPr>
+          <a:xfrm>
+            <a:off x="173620" y="219919"/>
+            <a:ext cx="5937813" cy="2246769"/>
+          </a:xfrm>
+          <a:prstGeom prst="rect">
+            <a:avLst/>
+          </a:prstGeom>
+          <a:noFill/>
+        </p:spPr>
+        <p:txBody>
+          <a:bodyPr wrap="square" rtlCol="0">
+            <a:spAutoFit/>
+          </a:bodyPr>
+          <a:lstStyle/>
+          <a:p>
+            <a:r>
+              <a:rPr lang="en-US" sz="2800" b="1" dirty="0">
+                <a:solidFill>
+                  <a:srgbClr val="CF3338"/>
+                </a:solidFill>
+                <a:latin typeface="Pragmatica" pitchFamily="2" charset="0"/>
+              </a:rPr>
+              <a:t>Data analytics in Python</a:t>
+            </a:r>
+          </a:p>
+          <a:p>
+            <a:endParaRPr lang="en-US" sz="2800" b="1" dirty="0">
+              <a:solidFill>
+                <a:srgbClr val="CF3338"/>
+              </a:solidFill>
+              <a:latin typeface="Pragmatica" pitchFamily="2" charset="0"/>
+            </a:endParaRPr>
+          </a:p>
+          <a:p>
+            <a:pPr marL="514350" indent="-514350">
+              <a:buFont typeface="Arial" panose="020B0604020202020204" pitchFamily="34" charset="0"/>
+              <a:buChar char="•"/>
+            </a:pPr>
+            <a:r>
+              <a:rPr lang="en-US" sz="2800" b="1" dirty="0">
+                <a:solidFill>
+                  <a:srgbClr val="CF3338"/>
+                </a:solidFill>
+                <a:latin typeface="Pragmatica" pitchFamily="2" charset="0"/>
+              </a:rPr>
+              <a:t>Does a vehicle’s weight significantly impact its mileage?</a:t>
+            </a:r>
+          </a:p>
+          <a:p>
+            <a:pPr marL="514350" indent="-514350">
+              <a:buFont typeface="Arial" panose="020B0604020202020204" pitchFamily="34" charset="0"/>
+              <a:buChar char="•"/>
+            </a:pPr>
+            <a:r>
+              <a:rPr lang="en-US" sz="2800" b="1" dirty="0">
+                <a:solidFill>
+                  <a:srgbClr val="CF3338"/>
+                </a:solidFill>
+                <a:latin typeface="Pragmatica" pitchFamily="2" charset="0"/>
+              </a:rPr>
+              <a:t>Script: </a:t>
+            </a:r>
+            <a:r>
+              <a:rPr lang="en-US" sz="2800" b="1" dirty="0" err="1">
+                <a:solidFill>
+                  <a:srgbClr val="CF3338"/>
+                </a:solidFill>
+                <a:latin typeface="Consolas" panose="020B0609020204030204" pitchFamily="49" charset="0"/>
+              </a:rPr>
+              <a:t>mpg.ipynb</a:t>
+            </a:r>
+            <a:endParaRPr lang="en-US" sz="2800" b="1" dirty="0">
+              <a:solidFill>
+                <a:srgbClr val="CF3338"/>
+              </a:solidFill>
+              <a:latin typeface="Pragmatica" pitchFamily="2" charset="0"/>
+            </a:endParaRPr>
+          </a:p>
+        </p:txBody>
+      </p:sp>
+      <p:pic>
+        <p:nvPicPr>
+          <p:cNvPr id="7" name="Picture 6">
+            <a:extLst>
+              <a:ext uri="{FF2B5EF4-FFF2-40B4-BE49-F238E27FC236}">
+                <a16:creationId xmlns:a16="http://schemas.microsoft.com/office/drawing/2014/main" id="{7A905A35-2F95-468B-8AC5-B5EE8408102B}"/>
+              </a:ext>
+            </a:extLst>
+          </p:cNvPr>
+          <p:cNvPicPr>
+            <a:picLocks noChangeAspect="1"/>
+          </p:cNvPicPr>
+          <p:nvPr/>
+        </p:nvPicPr>
+        <p:blipFill>
+          <a:blip r:embed="rId4"/>
           <a:stretch>
             <a:fillRect/>
           </a:stretch>
         </p:blipFill>
         <p:spPr>
           <a:xfrm>
-            <a:off x="-538496" y="-2482770"/>
-            <a:ext cx="10171472" cy="7459883"/>
+            <a:off x="642659" y="4087754"/>
+            <a:ext cx="5876190" cy="895238"/>
           </a:xfrm>
           <a:prstGeom prst="rect">
             <a:avLst/>
           </a:prstGeom>
         </p:spPr>
       </p:pic>
-      <p:sp>
-        <p:nvSpPr>
-          <p:cNvPr id="11" name="TextBox 10"/>
-          <p:cNvSpPr txBox="1"/>
-          <p:nvPr/>
-        </p:nvSpPr>
-        <p:spPr>
-          <a:xfrm>
-            <a:off x="324091" y="1687545"/>
-            <a:ext cx="7986531" cy="1077218"/>
-          </a:xfrm>
-          <a:prstGeom prst="rect">
-            <a:avLst/>
-          </a:prstGeom>
-          <a:noFill/>
-        </p:spPr>
-        <p:txBody>
-          <a:bodyPr wrap="square" rtlCol="0">
-            <a:spAutoFit/>
-          </a:bodyPr>
-          <a:lstStyle/>
-          <a:p>
-            <a:r>
-              <a:rPr lang="en-US" sz="4400" b="1" dirty="0">
-                <a:solidFill>
-                  <a:srgbClr val="707070"/>
-                </a:solidFill>
-                <a:latin typeface="Pragmatica" panose="020B0403040502020204" pitchFamily="34" charset="0"/>
-              </a:rPr>
-              <a:t>Questions?</a:t>
-            </a:r>
-          </a:p>
-          <a:p>
-            <a:endParaRPr lang="en-US" sz="2000" b="1" i="1" dirty="0">
-              <a:solidFill>
-                <a:srgbClr val="707070"/>
-              </a:solidFill>
-              <a:latin typeface="Pragmatica" panose="020B0403040502020204" pitchFamily="34" charset="0"/>
-            </a:endParaRPr>
-          </a:p>
-        </p:txBody>
-      </p:sp>
     </p:spTree>
     <p:extLst>
       <p:ext uri="{BB962C8B-B14F-4D97-AF65-F5344CB8AC3E}">
-        <p14:creationId xmlns:p14="http://schemas.microsoft.com/office/powerpoint/2010/main" val="2792158884"/>
+        <p14:creationId xmlns:p14="http://schemas.microsoft.com/office/powerpoint/2010/main" val="1394051579"/>
       </p:ext>
     </p:extLst>
   </p:cSld>
@@ -7714,7 +8157,7 @@
         <p:spPr>
           <a:xfrm>
             <a:off x="324091" y="1687545"/>
-            <a:ext cx="7986531" cy="2369880"/>
+            <a:ext cx="7986531" cy="1077218"/>
           </a:xfrm>
           <a:prstGeom prst="rect">
             <a:avLst/>
@@ -7728,83 +8171,136 @@
           <a:lstStyle/>
           <a:p>
             <a:r>
-              <a:rPr lang="en-US" sz="3600" b="1" dirty="0">
+              <a:rPr lang="en-US" sz="4400" b="1" dirty="0">
                 <a:solidFill>
                   <a:srgbClr val="707070"/>
                 </a:solidFill>
                 <a:latin typeface="Pragmatica" panose="020B0403040502020204" pitchFamily="34" charset="0"/>
               </a:rPr>
-              <a:t>THANK YOU</a:t>
-            </a:r>
-          </a:p>
-          <a:p>
-            <a:endParaRPr lang="en-US" sz="2800" b="1" dirty="0">
+              <a:t>Questions?</a:t>
+            </a:r>
+          </a:p>
+          <a:p>
+            <a:endParaRPr lang="en-US" sz="2000" b="1" i="1" dirty="0">
               <a:solidFill>
                 <a:srgbClr val="707070"/>
               </a:solidFill>
               <a:latin typeface="Pragmatica" panose="020B0403040502020204" pitchFamily="34" charset="0"/>
             </a:endParaRPr>
           </a:p>
-          <a:p>
-            <a:r>
-              <a:rPr lang="en-US" sz="2800" b="1" dirty="0">
-                <a:solidFill>
-                  <a:srgbClr val="707070"/>
-                </a:solidFill>
-                <a:latin typeface="Pragmatica" panose="020B0403040502020204" pitchFamily="34" charset="0"/>
-                <a:hlinkClick r:id="rId4"/>
-              </a:rPr>
-              <a:t>george@stringfestanalytics.com</a:t>
-            </a:r>
-            <a:endParaRPr lang="en-US" sz="2800" b="1" dirty="0">
-              <a:solidFill>
-                <a:srgbClr val="707070"/>
-              </a:solidFill>
-              <a:latin typeface="Pragmatica" panose="020B0403040502020204" pitchFamily="34" charset="0"/>
-            </a:endParaRPr>
-          </a:p>
-          <a:p>
-            <a:r>
-              <a:rPr lang="en-US" sz="2800" b="1" dirty="0">
-                <a:solidFill>
-                  <a:srgbClr val="707070"/>
-                </a:solidFill>
-                <a:latin typeface="Pragmatica" panose="020B0403040502020204" pitchFamily="34" charset="0"/>
-                <a:hlinkClick r:id="rId5"/>
-              </a:rPr>
-              <a:t>linkedin.com/in/gjmount</a:t>
-            </a:r>
-            <a:endParaRPr lang="en-US" sz="2800" b="1" dirty="0">
-              <a:solidFill>
-                <a:srgbClr val="707070"/>
-              </a:solidFill>
-              <a:latin typeface="Pragmatica" panose="020B0403040502020204" pitchFamily="34" charset="0"/>
-            </a:endParaRPr>
-          </a:p>
-          <a:p>
-            <a:r>
-              <a:rPr lang="en-US" sz="2800" b="1" dirty="0">
-                <a:solidFill>
-                  <a:srgbClr val="707070"/>
-                </a:solidFill>
-                <a:latin typeface="Pragmatica" panose="020B0403040502020204" pitchFamily="34" charset="0"/>
-                <a:hlinkClick r:id="rId6"/>
-              </a:rPr>
-              <a:t>stringfestanalytics.com/contact  </a:t>
-            </a:r>
-            <a:endParaRPr lang="en-US" sz="2800" b="1" dirty="0">
-              <a:solidFill>
-                <a:srgbClr val="707070"/>
-              </a:solidFill>
-              <a:latin typeface="Pragmatica" panose="020B0403040502020204" pitchFamily="34" charset="0"/>
-            </a:endParaRPr>
-          </a:p>
         </p:txBody>
       </p:sp>
     </p:spTree>
     <p:extLst>
       <p:ext uri="{BB962C8B-B14F-4D97-AF65-F5344CB8AC3E}">
-        <p14:creationId xmlns:p14="http://schemas.microsoft.com/office/powerpoint/2010/main" val="3712320391"/>
+        <p14:creationId xmlns:p14="http://schemas.microsoft.com/office/powerpoint/2010/main" val="2792158884"/>
+      </p:ext>
+    </p:extLst>
+  </p:cSld>
+  <p:clrMapOvr>
+    <a:masterClrMapping/>
+  </p:clrMapOvr>
+</p:sld>
+</file>
+
+<file path=ppt/slides/slide19.xml><?xml version="1.0" encoding="utf-8"?>
+<p:sld xmlns:a="http://schemas.openxmlformats.org/drawingml/2006/main" xmlns:r="http://schemas.openxmlformats.org/officeDocument/2006/relationships" xmlns:p="http://schemas.openxmlformats.org/presentationml/2006/main">
+  <p:cSld>
+    <p:spTree>
+      <p:nvGrpSpPr>
+        <p:cNvPr id="1" name=""/>
+        <p:cNvGrpSpPr/>
+        <p:nvPr/>
+      </p:nvGrpSpPr>
+      <p:grpSpPr>
+        <a:xfrm>
+          <a:off x="0" y="0"/>
+          <a:ext cx="0" cy="0"/>
+          <a:chOff x="0" y="0"/>
+          <a:chExt cx="0" cy="0"/>
+        </a:xfrm>
+      </p:grpSpPr>
+      <p:sp>
+        <p:nvSpPr>
+          <p:cNvPr id="4" name="Rectangle 3"/>
+          <p:cNvSpPr/>
+          <p:nvPr/>
+        </p:nvSpPr>
+        <p:spPr>
+          <a:xfrm>
+            <a:off x="0" y="0"/>
+            <a:ext cx="12192000" cy="6858000"/>
+          </a:xfrm>
+          <a:prstGeom prst="rect">
+            <a:avLst/>
+          </a:prstGeom>
+          <a:solidFill>
+            <a:srgbClr val="CF3338"/>
+          </a:solidFill>
+        </p:spPr>
+        <p:style>
+          <a:lnRef idx="2">
+            <a:schemeClr val="accent1">
+              <a:shade val="50000"/>
+            </a:schemeClr>
+          </a:lnRef>
+          <a:fillRef idx="1">
+            <a:schemeClr val="accent1"/>
+          </a:fillRef>
+          <a:effectRef idx="0">
+            <a:schemeClr val="accent1"/>
+          </a:effectRef>
+          <a:fontRef idx="minor">
+            <a:schemeClr val="lt1"/>
+          </a:fontRef>
+        </p:style>
+        <p:txBody>
+          <a:bodyPr rtlCol="0" anchor="ctr"/>
+          <a:lstStyle/>
+          <a:p>
+            <a:pPr algn="ctr"/>
+            <a:endParaRPr lang="en-US"/>
+          </a:p>
+        </p:txBody>
+      </p:sp>
+      <p:sp>
+        <p:nvSpPr>
+          <p:cNvPr id="5" name="TextBox 4"/>
+          <p:cNvSpPr txBox="1"/>
+          <p:nvPr/>
+        </p:nvSpPr>
+        <p:spPr>
+          <a:xfrm>
+            <a:off x="520861" y="393539"/>
+            <a:ext cx="10324617" cy="1107996"/>
+          </a:xfrm>
+          <a:prstGeom prst="rect">
+            <a:avLst/>
+          </a:prstGeom>
+          <a:noFill/>
+        </p:spPr>
+        <p:txBody>
+          <a:bodyPr wrap="square" rtlCol="0">
+            <a:spAutoFit/>
+          </a:bodyPr>
+          <a:lstStyle/>
+          <a:p>
+            <a:r>
+              <a:rPr lang="en-US" sz="6600" b="1" dirty="0">
+                <a:solidFill>
+                  <a:schemeClr val="bg1"/>
+                </a:solidFill>
+                <a:latin typeface="Pragmatica" pitchFamily="2" charset="0"/>
+              </a:rPr>
+              <a:t>Conclusion/Next steps</a:t>
+            </a:r>
+          </a:p>
+        </p:txBody>
+      </p:sp>
+    </p:spTree>
+    <p:extLst>
+      <p:ext uri="{BB962C8B-B14F-4D97-AF65-F5344CB8AC3E}">
+        <p14:creationId xmlns:p14="http://schemas.microsoft.com/office/powerpoint/2010/main" val="1922980201"/>
       </p:ext>
     </p:extLst>
   </p:cSld>
@@ -8161,6 +8657,527 @@
     <p:extLst>
       <p:ext uri="{BB962C8B-B14F-4D97-AF65-F5344CB8AC3E}">
         <p14:creationId xmlns:p14="http://schemas.microsoft.com/office/powerpoint/2010/main" val="355659117"/>
+      </p:ext>
+    </p:extLst>
+  </p:cSld>
+  <p:clrMapOvr>
+    <a:masterClrMapping/>
+  </p:clrMapOvr>
+</p:sld>
+</file>
+
+<file path=ppt/slides/slide20.xml><?xml version="1.0" encoding="utf-8"?>
+<p:sld xmlns:a="http://schemas.openxmlformats.org/drawingml/2006/main" xmlns:r="http://schemas.openxmlformats.org/officeDocument/2006/relationships" xmlns:p="http://schemas.openxmlformats.org/presentationml/2006/main">
+  <p:cSld>
+    <p:spTree>
+      <p:nvGrpSpPr>
+        <p:cNvPr id="1" name=""/>
+        <p:cNvGrpSpPr/>
+        <p:nvPr/>
+      </p:nvGrpSpPr>
+      <p:grpSpPr>
+        <a:xfrm>
+          <a:off x="0" y="0"/>
+          <a:ext cx="0" cy="0"/>
+          <a:chOff x="0" y="0"/>
+          <a:chExt cx="0" cy="0"/>
+        </a:xfrm>
+      </p:grpSpPr>
+      <p:pic>
+        <p:nvPicPr>
+          <p:cNvPr id="10" name="Picture 9"/>
+          <p:cNvPicPr>
+            <a:picLocks noChangeAspect="1"/>
+          </p:cNvPicPr>
+          <p:nvPr/>
+        </p:nvPicPr>
+        <p:blipFill rotWithShape="1">
+          <a:blip r:embed="rId3">
+            <a:extLst>
+              <a:ext uri="{28A0092B-C50C-407E-A947-70E740481C1C}">
+                <a14:useLocalDpi xmlns:a14="http://schemas.microsoft.com/office/drawing/2010/main" val="0"/>
+              </a:ext>
+            </a:extLst>
+          </a:blip>
+          <a:srcRect l="50728" t="56371"/>
+          <a:stretch/>
+        </p:blipFill>
+        <p:spPr>
+          <a:xfrm>
+            <a:off x="10894024" y="5370653"/>
+            <a:ext cx="1297975" cy="1487348"/>
+          </a:xfrm>
+          <a:prstGeom prst="rect">
+            <a:avLst/>
+          </a:prstGeom>
+        </p:spPr>
+      </p:pic>
+      <p:sp>
+        <p:nvSpPr>
+          <p:cNvPr id="14" name="TextBox 13">
+            <a:extLst>
+              <a:ext uri="{FF2B5EF4-FFF2-40B4-BE49-F238E27FC236}">
+                <a16:creationId xmlns:a16="http://schemas.microsoft.com/office/drawing/2014/main" id="{F6C5EE83-44AB-40CE-9233-7437DDE03EA0}"/>
+              </a:ext>
+            </a:extLst>
+          </p:cNvPr>
+          <p:cNvSpPr txBox="1"/>
+          <p:nvPr/>
+        </p:nvSpPr>
+        <p:spPr>
+          <a:xfrm>
+            <a:off x="399871" y="1727960"/>
+            <a:ext cx="7986531" cy="1815882"/>
+          </a:xfrm>
+          <a:prstGeom prst="rect">
+            <a:avLst/>
+          </a:prstGeom>
+          <a:noFill/>
+        </p:spPr>
+        <p:txBody>
+          <a:bodyPr wrap="square" rtlCol="0">
+            <a:spAutoFit/>
+          </a:bodyPr>
+          <a:lstStyle/>
+          <a:p>
+            <a:pPr marL="514350" indent="-514350">
+              <a:buFont typeface="Arial" panose="020B0604020202020204" pitchFamily="34" charset="0"/>
+              <a:buChar char="•"/>
+            </a:pPr>
+            <a:r>
+              <a:rPr lang="en-US" sz="2800" b="1" dirty="0">
+                <a:solidFill>
+                  <a:srgbClr val="707070"/>
+                </a:solidFill>
+                <a:latin typeface="Pragmatica" panose="020B0403040502020204" pitchFamily="34" charset="0"/>
+              </a:rPr>
+              <a:t>The underlying math &amp; philosophy of analytics</a:t>
+            </a:r>
+          </a:p>
+          <a:p>
+            <a:pPr marL="514350" indent="-514350">
+              <a:buFont typeface="Arial" panose="020B0604020202020204" pitchFamily="34" charset="0"/>
+              <a:buChar char="•"/>
+            </a:pPr>
+            <a:r>
+              <a:rPr lang="en-US" sz="2800" b="1" dirty="0">
+                <a:solidFill>
+                  <a:srgbClr val="707070"/>
+                </a:solidFill>
+                <a:latin typeface="Pragmatica" panose="020B0403040502020204" pitchFamily="34" charset="0"/>
+              </a:rPr>
+              <a:t>Data cleaning in R &amp; Python</a:t>
+            </a:r>
+          </a:p>
+          <a:p>
+            <a:pPr marL="514350" indent="-514350">
+              <a:buFont typeface="Arial" panose="020B0604020202020204" pitchFamily="34" charset="0"/>
+              <a:buChar char="•"/>
+            </a:pPr>
+            <a:r>
+              <a:rPr lang="en-US" sz="2800" b="1" dirty="0">
+                <a:solidFill>
+                  <a:srgbClr val="707070"/>
+                </a:solidFill>
+                <a:latin typeface="Pragmatica" panose="020B0403040502020204" pitchFamily="34" charset="0"/>
+              </a:rPr>
+              <a:t>Further data visualizations</a:t>
+            </a:r>
+          </a:p>
+          <a:p>
+            <a:endParaRPr lang="en-US" sz="2800" b="1" dirty="0">
+              <a:solidFill>
+                <a:srgbClr val="707070"/>
+              </a:solidFill>
+              <a:latin typeface="Pragmatica" panose="020B0403040502020204" pitchFamily="34" charset="0"/>
+            </a:endParaRPr>
+          </a:p>
+        </p:txBody>
+      </p:sp>
+      <p:sp>
+        <p:nvSpPr>
+          <p:cNvPr id="17" name="TextBox 16">
+            <a:extLst>
+              <a:ext uri="{FF2B5EF4-FFF2-40B4-BE49-F238E27FC236}">
+                <a16:creationId xmlns:a16="http://schemas.microsoft.com/office/drawing/2014/main" id="{247B7D4D-86A2-4C05-8B53-B00B9FEDB7BD}"/>
+              </a:ext>
+            </a:extLst>
+          </p:cNvPr>
+          <p:cNvSpPr txBox="1"/>
+          <p:nvPr/>
+        </p:nvSpPr>
+        <p:spPr>
+          <a:xfrm>
+            <a:off x="347240" y="113388"/>
+            <a:ext cx="9799937" cy="1015663"/>
+          </a:xfrm>
+          <a:prstGeom prst="rect">
+            <a:avLst/>
+          </a:prstGeom>
+          <a:noFill/>
+        </p:spPr>
+        <p:txBody>
+          <a:bodyPr wrap="square" rtlCol="0">
+            <a:spAutoFit/>
+          </a:bodyPr>
+          <a:lstStyle/>
+          <a:p>
+            <a:r>
+              <a:rPr lang="en-US" sz="6000" dirty="0">
+                <a:latin typeface="Aliens &amp; cows" panose="00000500000000000000" pitchFamily="2" charset="0"/>
+              </a:rPr>
+              <a:t>Cracking the book</a:t>
+            </a:r>
+          </a:p>
+        </p:txBody>
+      </p:sp>
+    </p:spTree>
+    <p:extLst>
+      <p:ext uri="{BB962C8B-B14F-4D97-AF65-F5344CB8AC3E}">
+        <p14:creationId xmlns:p14="http://schemas.microsoft.com/office/powerpoint/2010/main" val="3991979162"/>
+      </p:ext>
+    </p:extLst>
+  </p:cSld>
+  <p:clrMapOvr>
+    <a:masterClrMapping/>
+  </p:clrMapOvr>
+</p:sld>
+</file>
+
+<file path=ppt/slides/slide21.xml><?xml version="1.0" encoding="utf-8"?>
+<p:sld xmlns:a="http://schemas.openxmlformats.org/drawingml/2006/main" xmlns:r="http://schemas.openxmlformats.org/officeDocument/2006/relationships" xmlns:p="http://schemas.openxmlformats.org/presentationml/2006/main">
+  <p:cSld>
+    <p:spTree>
+      <p:nvGrpSpPr>
+        <p:cNvPr id="1" name=""/>
+        <p:cNvGrpSpPr/>
+        <p:nvPr/>
+      </p:nvGrpSpPr>
+      <p:grpSpPr>
+        <a:xfrm>
+          <a:off x="0" y="0"/>
+          <a:ext cx="0" cy="0"/>
+          <a:chOff x="0" y="0"/>
+          <a:chExt cx="0" cy="0"/>
+        </a:xfrm>
+      </p:grpSpPr>
+      <p:pic>
+        <p:nvPicPr>
+          <p:cNvPr id="10" name="Picture 9"/>
+          <p:cNvPicPr>
+            <a:picLocks noChangeAspect="1"/>
+          </p:cNvPicPr>
+          <p:nvPr/>
+        </p:nvPicPr>
+        <p:blipFill rotWithShape="1">
+          <a:blip r:embed="rId2">
+            <a:extLst>
+              <a:ext uri="{28A0092B-C50C-407E-A947-70E740481C1C}">
+                <a14:useLocalDpi xmlns:a14="http://schemas.microsoft.com/office/drawing/2010/main" val="0"/>
+              </a:ext>
+            </a:extLst>
+          </a:blip>
+          <a:srcRect l="50728" t="56371"/>
+          <a:stretch/>
+        </p:blipFill>
+        <p:spPr>
+          <a:xfrm>
+            <a:off x="8136460" y="2210765"/>
+            <a:ext cx="4055539" cy="4647236"/>
+          </a:xfrm>
+          <a:prstGeom prst="rect">
+            <a:avLst/>
+          </a:prstGeom>
+        </p:spPr>
+      </p:pic>
+      <p:pic>
+        <p:nvPicPr>
+          <p:cNvPr id="4" name="Picture 3"/>
+          <p:cNvPicPr>
+            <a:picLocks noChangeAspect="1"/>
+          </p:cNvPicPr>
+          <p:nvPr/>
+        </p:nvPicPr>
+        <p:blipFill>
+          <a:blip r:embed="rId3">
+            <a:extLst>
+              <a:ext uri="{28A0092B-C50C-407E-A947-70E740481C1C}">
+                <a14:useLocalDpi xmlns:a14="http://schemas.microsoft.com/office/drawing/2010/main" val="0"/>
+              </a:ext>
+            </a:extLst>
+          </a:blip>
+          <a:stretch>
+            <a:fillRect/>
+          </a:stretch>
+        </p:blipFill>
+        <p:spPr>
+          <a:xfrm>
+            <a:off x="-538496" y="-2482770"/>
+            <a:ext cx="10171472" cy="7459883"/>
+          </a:xfrm>
+          <a:prstGeom prst="rect">
+            <a:avLst/>
+          </a:prstGeom>
+        </p:spPr>
+      </p:pic>
+      <p:sp>
+        <p:nvSpPr>
+          <p:cNvPr id="11" name="TextBox 10"/>
+          <p:cNvSpPr txBox="1"/>
+          <p:nvPr/>
+        </p:nvSpPr>
+        <p:spPr>
+          <a:xfrm>
+            <a:off x="324091" y="1687545"/>
+            <a:ext cx="7986531" cy="1384995"/>
+          </a:xfrm>
+          <a:prstGeom prst="rect">
+            <a:avLst/>
+          </a:prstGeom>
+          <a:noFill/>
+        </p:spPr>
+        <p:txBody>
+          <a:bodyPr wrap="square" rtlCol="0">
+            <a:spAutoFit/>
+          </a:bodyPr>
+          <a:lstStyle/>
+          <a:p>
+            <a:r>
+              <a:rPr lang="en-US" sz="2800" b="1" dirty="0">
+                <a:solidFill>
+                  <a:srgbClr val="707070"/>
+                </a:solidFill>
+                <a:latin typeface="Pragmatica" panose="020B0403040502020204" pitchFamily="34" charset="0"/>
+              </a:rPr>
+              <a:t>Event survey: </a:t>
+            </a:r>
+            <a:r>
+              <a:rPr lang="en-US" sz="2800" b="1" dirty="0">
+                <a:solidFill>
+                  <a:srgbClr val="707070"/>
+                </a:solidFill>
+                <a:latin typeface="Pragmatica" panose="020B0403040502020204" pitchFamily="34" charset="0"/>
+                <a:hlinkClick r:id="rId4"/>
+              </a:rPr>
+              <a:t>https://forms.office.com/r/0ZnD0LxpZy</a:t>
+            </a:r>
+            <a:endParaRPr lang="en-US" sz="2800" b="1" dirty="0">
+              <a:solidFill>
+                <a:srgbClr val="707070"/>
+              </a:solidFill>
+              <a:latin typeface="Pragmatica" panose="020B0403040502020204" pitchFamily="34" charset="0"/>
+            </a:endParaRPr>
+          </a:p>
+          <a:p>
+            <a:endParaRPr lang="en-US" sz="2800" b="1" dirty="0">
+              <a:solidFill>
+                <a:srgbClr val="707070"/>
+              </a:solidFill>
+              <a:latin typeface="Pragmatica" panose="020B0403040502020204" pitchFamily="34" charset="0"/>
+            </a:endParaRPr>
+          </a:p>
+        </p:txBody>
+      </p:sp>
+    </p:spTree>
+    <p:extLst>
+      <p:ext uri="{BB962C8B-B14F-4D97-AF65-F5344CB8AC3E}">
+        <p14:creationId xmlns:p14="http://schemas.microsoft.com/office/powerpoint/2010/main" val="2312071835"/>
+      </p:ext>
+    </p:extLst>
+  </p:cSld>
+  <p:clrMapOvr>
+    <a:masterClrMapping/>
+  </p:clrMapOvr>
+</p:sld>
+</file>
+
+<file path=ppt/slides/slide22.xml><?xml version="1.0" encoding="utf-8"?>
+<p:sld xmlns:a="http://schemas.openxmlformats.org/drawingml/2006/main" xmlns:r="http://schemas.openxmlformats.org/officeDocument/2006/relationships" xmlns:p="http://schemas.openxmlformats.org/presentationml/2006/main">
+  <p:cSld>
+    <p:spTree>
+      <p:nvGrpSpPr>
+        <p:cNvPr id="1" name=""/>
+        <p:cNvGrpSpPr/>
+        <p:nvPr/>
+      </p:nvGrpSpPr>
+      <p:grpSpPr>
+        <a:xfrm>
+          <a:off x="0" y="0"/>
+          <a:ext cx="0" cy="0"/>
+          <a:chOff x="0" y="0"/>
+          <a:chExt cx="0" cy="0"/>
+        </a:xfrm>
+      </p:grpSpPr>
+      <p:pic>
+        <p:nvPicPr>
+          <p:cNvPr id="10" name="Picture 9"/>
+          <p:cNvPicPr>
+            <a:picLocks noChangeAspect="1"/>
+          </p:cNvPicPr>
+          <p:nvPr/>
+        </p:nvPicPr>
+        <p:blipFill rotWithShape="1">
+          <a:blip r:embed="rId2">
+            <a:extLst>
+              <a:ext uri="{28A0092B-C50C-407E-A947-70E740481C1C}">
+                <a14:useLocalDpi xmlns:a14="http://schemas.microsoft.com/office/drawing/2010/main" val="0"/>
+              </a:ext>
+            </a:extLst>
+          </a:blip>
+          <a:srcRect l="50728" t="56371"/>
+          <a:stretch/>
+        </p:blipFill>
+        <p:spPr>
+          <a:xfrm>
+            <a:off x="8136460" y="2210765"/>
+            <a:ext cx="4055539" cy="4647236"/>
+          </a:xfrm>
+          <a:prstGeom prst="rect">
+            <a:avLst/>
+          </a:prstGeom>
+        </p:spPr>
+      </p:pic>
+      <p:pic>
+        <p:nvPicPr>
+          <p:cNvPr id="4" name="Picture 3"/>
+          <p:cNvPicPr>
+            <a:picLocks noChangeAspect="1"/>
+          </p:cNvPicPr>
+          <p:nvPr/>
+        </p:nvPicPr>
+        <p:blipFill>
+          <a:blip r:embed="rId3">
+            <a:extLst>
+              <a:ext uri="{28A0092B-C50C-407E-A947-70E740481C1C}">
+                <a14:useLocalDpi xmlns:a14="http://schemas.microsoft.com/office/drawing/2010/main" val="0"/>
+              </a:ext>
+            </a:extLst>
+          </a:blip>
+          <a:stretch>
+            <a:fillRect/>
+          </a:stretch>
+        </p:blipFill>
+        <p:spPr>
+          <a:xfrm>
+            <a:off x="-538496" y="-2482770"/>
+            <a:ext cx="10171472" cy="7459883"/>
+          </a:xfrm>
+          <a:prstGeom prst="rect">
+            <a:avLst/>
+          </a:prstGeom>
+        </p:spPr>
+      </p:pic>
+      <p:sp>
+        <p:nvSpPr>
+          <p:cNvPr id="11" name="TextBox 10"/>
+          <p:cNvSpPr txBox="1"/>
+          <p:nvPr/>
+        </p:nvSpPr>
+        <p:spPr>
+          <a:xfrm>
+            <a:off x="324091" y="1687545"/>
+            <a:ext cx="7986531" cy="2923877"/>
+          </a:xfrm>
+          <a:prstGeom prst="rect">
+            <a:avLst/>
+          </a:prstGeom>
+          <a:noFill/>
+        </p:spPr>
+        <p:txBody>
+          <a:bodyPr wrap="square" rtlCol="0">
+            <a:spAutoFit/>
+          </a:bodyPr>
+          <a:lstStyle/>
+          <a:p>
+            <a:r>
+              <a:rPr lang="en-US" sz="3600" b="1" dirty="0">
+                <a:solidFill>
+                  <a:srgbClr val="707070"/>
+                </a:solidFill>
+                <a:latin typeface="Pragmatica" panose="020B0403040502020204" pitchFamily="34" charset="0"/>
+              </a:rPr>
+              <a:t>THANK YOU</a:t>
+            </a:r>
+          </a:p>
+          <a:p>
+            <a:r>
+              <a:rPr lang="en-US" sz="3600" b="1" dirty="0">
+                <a:solidFill>
+                  <a:srgbClr val="707070"/>
+                </a:solidFill>
+                <a:latin typeface="Pragmatica" panose="020B0403040502020204" pitchFamily="34" charset="0"/>
+              </a:rPr>
+              <a:t>Happy reading 📚</a:t>
+            </a:r>
+          </a:p>
+          <a:p>
+            <a:endParaRPr lang="en-US" sz="2800" b="1" dirty="0">
+              <a:solidFill>
+                <a:srgbClr val="707070"/>
+              </a:solidFill>
+              <a:latin typeface="Pragmatica" panose="020B0403040502020204" pitchFamily="34" charset="0"/>
+            </a:endParaRPr>
+          </a:p>
+          <a:p>
+            <a:r>
+              <a:rPr lang="en-US" sz="2800" b="1" dirty="0">
+                <a:solidFill>
+                  <a:srgbClr val="707070"/>
+                </a:solidFill>
+                <a:latin typeface="Pragmatica" panose="020B0403040502020204" pitchFamily="34" charset="0"/>
+                <a:hlinkClick r:id="rId4"/>
+              </a:rPr>
+              <a:t>george@stringfestanalytics.com</a:t>
+            </a:r>
+            <a:endParaRPr lang="en-US" sz="2800" b="1" dirty="0">
+              <a:solidFill>
+                <a:srgbClr val="707070"/>
+              </a:solidFill>
+              <a:latin typeface="Pragmatica" panose="020B0403040502020204" pitchFamily="34" charset="0"/>
+            </a:endParaRPr>
+          </a:p>
+          <a:p>
+            <a:r>
+              <a:rPr lang="en-US" sz="2800" b="1" dirty="0">
+                <a:solidFill>
+                  <a:srgbClr val="707070"/>
+                </a:solidFill>
+                <a:latin typeface="Pragmatica" panose="020B0403040502020204" pitchFamily="34" charset="0"/>
+                <a:hlinkClick r:id="rId5"/>
+              </a:rPr>
+              <a:t>linkedin.com/in/gjmount</a:t>
+            </a:r>
+            <a:endParaRPr lang="en-US" sz="2800" b="1" dirty="0">
+              <a:solidFill>
+                <a:srgbClr val="707070"/>
+              </a:solidFill>
+              <a:latin typeface="Pragmatica" panose="020B0403040502020204" pitchFamily="34" charset="0"/>
+            </a:endParaRPr>
+          </a:p>
+          <a:p>
+            <a:r>
+              <a:rPr lang="en-US" sz="2800" b="1" dirty="0">
+                <a:solidFill>
+                  <a:srgbClr val="707070"/>
+                </a:solidFill>
+                <a:latin typeface="Pragmatica" panose="020B0403040502020204" pitchFamily="34" charset="0"/>
+                <a:hlinkClick r:id="rId6"/>
+              </a:rPr>
+              <a:t>stringfestanalytics.com/contact  </a:t>
+            </a:r>
+            <a:endParaRPr lang="en-US" sz="2800" b="1" dirty="0">
+              <a:solidFill>
+                <a:srgbClr val="707070"/>
+              </a:solidFill>
+              <a:latin typeface="Pragmatica" panose="020B0403040502020204" pitchFamily="34" charset="0"/>
+            </a:endParaRPr>
+          </a:p>
+        </p:txBody>
+      </p:sp>
+    </p:spTree>
+    <p:extLst>
+      <p:ext uri="{BB962C8B-B14F-4D97-AF65-F5344CB8AC3E}">
+        <p14:creationId xmlns:p14="http://schemas.microsoft.com/office/powerpoint/2010/main" val="3712320391"/>
       </p:ext>
     </p:extLst>
   </p:cSld>

--- a/aina-marketing-foundations.pptx
+++ b/aina-marketing-foundations.pptx
@@ -5,7 +5,7 @@
     <p:sldMasterId id="2147483648" r:id="rId1"/>
   </p:sldMasterIdLst>
   <p:notesMasterIdLst>
-    <p:notesMasterId r:id="rId24"/>
+    <p:notesMasterId r:id="rId23"/>
   </p:notesMasterIdLst>
   <p:sldIdLst>
     <p:sldId id="437" r:id="rId2"/>
@@ -17,19 +17,18 @@
     <p:sldId id="332" r:id="rId8"/>
     <p:sldId id="411" r:id="rId9"/>
     <p:sldId id="426" r:id="rId10"/>
-    <p:sldId id="440" r:id="rId11"/>
-    <p:sldId id="490" r:id="rId12"/>
-    <p:sldId id="544" r:id="rId13"/>
-    <p:sldId id="489" r:id="rId14"/>
-    <p:sldId id="491" r:id="rId15"/>
-    <p:sldId id="493" r:id="rId16"/>
-    <p:sldId id="543" r:id="rId17"/>
-    <p:sldId id="492" r:id="rId18"/>
-    <p:sldId id="434" r:id="rId19"/>
-    <p:sldId id="431" r:id="rId20"/>
-    <p:sldId id="545" r:id="rId21"/>
-    <p:sldId id="336" r:id="rId22"/>
-    <p:sldId id="432" r:id="rId23"/>
+    <p:sldId id="490" r:id="rId11"/>
+    <p:sldId id="544" r:id="rId12"/>
+    <p:sldId id="489" r:id="rId13"/>
+    <p:sldId id="491" r:id="rId14"/>
+    <p:sldId id="493" r:id="rId15"/>
+    <p:sldId id="543" r:id="rId16"/>
+    <p:sldId id="492" r:id="rId17"/>
+    <p:sldId id="434" r:id="rId18"/>
+    <p:sldId id="431" r:id="rId19"/>
+    <p:sldId id="545" r:id="rId20"/>
+    <p:sldId id="336" r:id="rId21"/>
+    <p:sldId id="432" r:id="rId22"/>
   </p:sldIdLst>
   <p:sldSz cx="12192000" cy="6858000"/>
   <p:notesSz cx="6858000" cy="9144000"/>
@@ -1848,7 +1847,7 @@
           <a:p>
             <a:fld id="{503F064B-41F2-4661-BDF0-BFD135E9A557}" type="datetimeFigureOut">
               <a:rPr lang="en-US" smtClean="0"/>
-              <a:t>11/23/2021</a:t>
+              <a:t>1/9/2022</a:t>
             </a:fld>
             <a:endParaRPr lang="en-US"/>
           </a:p>
@@ -2317,7 +2316,7 @@
     </p:spTree>
     <p:extLst>
       <p:ext uri="{BB962C8B-B14F-4D97-AF65-F5344CB8AC3E}">
-        <p14:creationId xmlns:p14="http://schemas.microsoft.com/office/powerpoint/2010/main" val="4178150201"/>
+        <p14:creationId xmlns:p14="http://schemas.microsoft.com/office/powerpoint/2010/main" val="3088178149"/>
       </p:ext>
     </p:extLst>
   </p:cSld>
@@ -2390,93 +2389,9 @@
           <a:bodyPr/>
           <a:lstStyle/>
           <a:p>
-            <a:fld id="{3BB66621-ADCC-4EF8-8003-B9D3E881DCD2}" type="slidenum">
-              <a:rPr lang="en-US" smtClean="0"/>
-              <a:t>17</a:t>
-            </a:fld>
-            <a:endParaRPr lang="en-US"/>
-          </a:p>
-        </p:txBody>
-      </p:sp>
-    </p:spTree>
-    <p:extLst>
-      <p:ext uri="{BB962C8B-B14F-4D97-AF65-F5344CB8AC3E}">
-        <p14:creationId xmlns:p14="http://schemas.microsoft.com/office/powerpoint/2010/main" val="3088178149"/>
-      </p:ext>
-    </p:extLst>
-  </p:cSld>
-  <p:clrMapOvr>
-    <a:masterClrMapping/>
-  </p:clrMapOvr>
-</p:notes>
-</file>
-
-<file path=ppt/notesSlides/notesSlide12.xml><?xml version="1.0" encoding="utf-8"?>
-<p:notes xmlns:a="http://schemas.openxmlformats.org/drawingml/2006/main" xmlns:r="http://schemas.openxmlformats.org/officeDocument/2006/relationships" xmlns:p="http://schemas.openxmlformats.org/presentationml/2006/main">
-  <p:cSld>
-    <p:spTree>
-      <p:nvGrpSpPr>
-        <p:cNvPr id="1" name=""/>
-        <p:cNvGrpSpPr/>
-        <p:nvPr/>
-      </p:nvGrpSpPr>
-      <p:grpSpPr>
-        <a:xfrm>
-          <a:off x="0" y="0"/>
-          <a:ext cx="0" cy="0"/>
-          <a:chOff x="0" y="0"/>
-          <a:chExt cx="0" cy="0"/>
-        </a:xfrm>
-      </p:grpSpPr>
-      <p:sp>
-        <p:nvSpPr>
-          <p:cNvPr id="2" name="Slide Image Placeholder 1"/>
-          <p:cNvSpPr>
-            <a:spLocks noGrp="1" noRot="1" noChangeAspect="1"/>
-          </p:cNvSpPr>
-          <p:nvPr>
-            <p:ph type="sldImg"/>
-          </p:nvPr>
-        </p:nvSpPr>
-        <p:spPr/>
-      </p:sp>
-      <p:sp>
-        <p:nvSpPr>
-          <p:cNvPr id="3" name="Notes Placeholder 2"/>
-          <p:cNvSpPr>
-            <a:spLocks noGrp="1"/>
-          </p:cNvSpPr>
-          <p:nvPr>
-            <p:ph type="body" idx="1"/>
-          </p:nvPr>
-        </p:nvSpPr>
-        <p:spPr/>
-        <p:txBody>
-          <a:bodyPr/>
-          <a:lstStyle/>
-          <a:p>
-            <a:endParaRPr lang="en-US" dirty="0"/>
-          </a:p>
-        </p:txBody>
-      </p:sp>
-      <p:sp>
-        <p:nvSpPr>
-          <p:cNvPr id="4" name="Slide Number Placeholder 3"/>
-          <p:cNvSpPr>
-            <a:spLocks noGrp="1"/>
-          </p:cNvSpPr>
-          <p:nvPr>
-            <p:ph type="sldNum" sz="quarter" idx="5"/>
-          </p:nvPr>
-        </p:nvSpPr>
-        <p:spPr/>
-        <p:txBody>
-          <a:bodyPr/>
-          <a:lstStyle/>
-          <a:p>
             <a:fld id="{F9DB3DAC-CD90-4DD2-80B1-E135CFB4F8DD}" type="slidenum">
               <a:rPr lang="en-US" smtClean="0"/>
-              <a:t>20</a:t>
+              <a:t>19</a:t>
             </a:fld>
             <a:endParaRPr lang="en-US"/>
           </a:p>
@@ -2833,7 +2748,7 @@
     </p:spTree>
     <p:extLst>
       <p:ext uri="{BB962C8B-B14F-4D97-AF65-F5344CB8AC3E}">
-        <p14:creationId xmlns:p14="http://schemas.microsoft.com/office/powerpoint/2010/main" val="1761118485"/>
+        <p14:creationId xmlns:p14="http://schemas.microsoft.com/office/powerpoint/2010/main" val="3382709619"/>
       </p:ext>
     </p:extLst>
   </p:cSld>
@@ -2887,6 +2802,38 @@
           <a:bodyPr/>
           <a:lstStyle/>
           <a:p>
+            <a:r>
+              <a:rPr lang="en-US" dirty="0"/>
+              <a:t>Let’s take an example from the housing prices dataset in the book. Let’s say that our null is there is no difference in sales prices for homes with our without air conditioning. If we did indeed live in this world, and we tested for significance at the 95% confidence level, then we would </a:t>
+            </a:r>
+            <a:r>
+              <a:rPr lang="en-US" i="1" dirty="0"/>
+              <a:t>still </a:t>
+            </a:r>
+            <a:r>
+              <a:rPr lang="en-US" i="0" dirty="0"/>
+              <a:t>find a significant difference in sales prices in 5% of our samples, due to random error. </a:t>
+            </a:r>
+          </a:p>
+          <a:p>
+            <a:endParaRPr lang="en-US" i="0" dirty="0"/>
+          </a:p>
+          <a:p>
+            <a:r>
+              <a:rPr lang="en-US" i="0" dirty="0"/>
+              <a:t>That’s a 1 in 20 chance of finding a significant difference when there is none! So if we do a bunch of tests, the higher our chances that we will hit a significant finding due to random chance. This is called </a:t>
+            </a:r>
+            <a:r>
+              <a:rPr lang="en-US" i="0" dirty="0" err="1"/>
+              <a:t>experimentwise</a:t>
+            </a:r>
+            <a:r>
+              <a:rPr lang="en-US" i="0" dirty="0"/>
+              <a:t> error.</a:t>
+            </a:r>
+            <a:endParaRPr lang="en-US" dirty="0"/>
+          </a:p>
+          <a:p>
             <a:endParaRPr lang="en-US" dirty="0"/>
           </a:p>
         </p:txBody>
@@ -2906,9 +2853,9 @@
           <a:bodyPr/>
           <a:lstStyle/>
           <a:p>
-            <a:fld id="{3BB66621-ADCC-4EF8-8003-B9D3E881DCD2}" type="slidenum">
+            <a:fld id="{F9DB3DAC-CD90-4DD2-80B1-E135CFB4F8DD}" type="slidenum">
               <a:rPr lang="en-US" smtClean="0"/>
-              <a:t>11</a:t>
+              <a:t>12</a:t>
             </a:fld>
             <a:endParaRPr lang="en-US"/>
           </a:p>
@@ -2917,7 +2864,7 @@
     </p:spTree>
     <p:extLst>
       <p:ext uri="{BB962C8B-B14F-4D97-AF65-F5344CB8AC3E}">
-        <p14:creationId xmlns:p14="http://schemas.microsoft.com/office/powerpoint/2010/main" val="3382709619"/>
+        <p14:creationId xmlns:p14="http://schemas.microsoft.com/office/powerpoint/2010/main" val="3046880205"/>
       </p:ext>
     </p:extLst>
   </p:cSld>
@@ -2971,38 +2918,6 @@
           <a:bodyPr/>
           <a:lstStyle/>
           <a:p>
-            <a:r>
-              <a:rPr lang="en-US" dirty="0"/>
-              <a:t>Let’s take an example from the housing prices dataset in the book. Let’s say that our null is there is no difference in sales prices for homes with our without air conditioning. If we did indeed live in this world, and we tested for significance at the 95% confidence level, then we would </a:t>
-            </a:r>
-            <a:r>
-              <a:rPr lang="en-US" i="1" dirty="0"/>
-              <a:t>still </a:t>
-            </a:r>
-            <a:r>
-              <a:rPr lang="en-US" i="0" dirty="0"/>
-              <a:t>find a significant difference in sales prices in 5% of our samples, due to random error. </a:t>
-            </a:r>
-          </a:p>
-          <a:p>
-            <a:endParaRPr lang="en-US" i="0" dirty="0"/>
-          </a:p>
-          <a:p>
-            <a:r>
-              <a:rPr lang="en-US" i="0" dirty="0"/>
-              <a:t>That’s a 1 in 20 chance of finding a significant difference when there is none! So if we do a bunch of tests, the higher our chances that we will hit a significant finding due to random chance. This is called </a:t>
-            </a:r>
-            <a:r>
-              <a:rPr lang="en-US" i="0" dirty="0" err="1"/>
-              <a:t>experimentwise</a:t>
-            </a:r>
-            <a:r>
-              <a:rPr lang="en-US" i="0" dirty="0"/>
-              <a:t> error.</a:t>
-            </a:r>
-            <a:endParaRPr lang="en-US" dirty="0"/>
-          </a:p>
-          <a:p>
             <a:endParaRPr lang="en-US" dirty="0"/>
           </a:p>
         </p:txBody>
@@ -3022,7 +2937,7 @@
           <a:bodyPr/>
           <a:lstStyle/>
           <a:p>
-            <a:fld id="{F9DB3DAC-CD90-4DD2-80B1-E135CFB4F8DD}" type="slidenum">
+            <a:fld id="{3BB66621-ADCC-4EF8-8003-B9D3E881DCD2}" type="slidenum">
               <a:rPr lang="en-US" smtClean="0"/>
               <a:t>13</a:t>
             </a:fld>
@@ -3033,7 +2948,7 @@
     </p:spTree>
     <p:extLst>
       <p:ext uri="{BB962C8B-B14F-4D97-AF65-F5344CB8AC3E}">
-        <p14:creationId xmlns:p14="http://schemas.microsoft.com/office/powerpoint/2010/main" val="3046880205"/>
+        <p14:creationId xmlns:p14="http://schemas.microsoft.com/office/powerpoint/2010/main" val="673894086"/>
       </p:ext>
     </p:extLst>
   </p:cSld>
@@ -3087,6 +3002,38 @@
           <a:bodyPr/>
           <a:lstStyle/>
           <a:p>
+            <a:r>
+              <a:rPr lang="en-US" dirty="0"/>
+              <a:t>Let’s take an example from the housing prices dataset in the book. Let’s say that our null is there is no difference in sales prices for homes with our without air conditioning. If we did indeed live in this world, and we tested for significance at the 95% confidence level, then we would </a:t>
+            </a:r>
+            <a:r>
+              <a:rPr lang="en-US" i="1" dirty="0"/>
+              <a:t>still </a:t>
+            </a:r>
+            <a:r>
+              <a:rPr lang="en-US" i="0" dirty="0"/>
+              <a:t>find a significant difference in sales prices in 5% of our samples, due to random error. </a:t>
+            </a:r>
+          </a:p>
+          <a:p>
+            <a:endParaRPr lang="en-US" i="0" dirty="0"/>
+          </a:p>
+          <a:p>
+            <a:r>
+              <a:rPr lang="en-US" i="0" dirty="0"/>
+              <a:t>That’s a 1 in 20 chance of finding a significant difference when there is none! So if we do a bunch of tests, the higher our chances that we will hit a significant finding due to random chance. This is called </a:t>
+            </a:r>
+            <a:r>
+              <a:rPr lang="en-US" i="0" dirty="0" err="1"/>
+              <a:t>experimentwise</a:t>
+            </a:r>
+            <a:r>
+              <a:rPr lang="en-US" i="0" dirty="0"/>
+              <a:t> error.</a:t>
+            </a:r>
+            <a:endParaRPr lang="en-US" dirty="0"/>
+          </a:p>
+          <a:p>
             <a:endParaRPr lang="en-US" dirty="0"/>
           </a:p>
         </p:txBody>
@@ -3106,7 +3053,7 @@
           <a:bodyPr/>
           <a:lstStyle/>
           <a:p>
-            <a:fld id="{3BB66621-ADCC-4EF8-8003-B9D3E881DCD2}" type="slidenum">
+            <a:fld id="{F9DB3DAC-CD90-4DD2-80B1-E135CFB4F8DD}" type="slidenum">
               <a:rPr lang="en-US" smtClean="0"/>
               <a:t>14</a:t>
             </a:fld>
@@ -3117,7 +3064,7 @@
     </p:spTree>
     <p:extLst>
       <p:ext uri="{BB962C8B-B14F-4D97-AF65-F5344CB8AC3E}">
-        <p14:creationId xmlns:p14="http://schemas.microsoft.com/office/powerpoint/2010/main" val="673894086"/>
+        <p14:creationId xmlns:p14="http://schemas.microsoft.com/office/powerpoint/2010/main" val="1311398244"/>
       </p:ext>
     </p:extLst>
   </p:cSld>
@@ -3171,38 +3118,6 @@
           <a:bodyPr/>
           <a:lstStyle/>
           <a:p>
-            <a:r>
-              <a:rPr lang="en-US" dirty="0"/>
-              <a:t>Let’s take an example from the housing prices dataset in the book. Let’s say that our null is there is no difference in sales prices for homes with our without air conditioning. If we did indeed live in this world, and we tested for significance at the 95% confidence level, then we would </a:t>
-            </a:r>
-            <a:r>
-              <a:rPr lang="en-US" i="1" dirty="0"/>
-              <a:t>still </a:t>
-            </a:r>
-            <a:r>
-              <a:rPr lang="en-US" i="0" dirty="0"/>
-              <a:t>find a significant difference in sales prices in 5% of our samples, due to random error. </a:t>
-            </a:r>
-          </a:p>
-          <a:p>
-            <a:endParaRPr lang="en-US" i="0" dirty="0"/>
-          </a:p>
-          <a:p>
-            <a:r>
-              <a:rPr lang="en-US" i="0" dirty="0"/>
-              <a:t>That’s a 1 in 20 chance of finding a significant difference when there is none! So if we do a bunch of tests, the higher our chances that we will hit a significant finding due to random chance. This is called </a:t>
-            </a:r>
-            <a:r>
-              <a:rPr lang="en-US" i="0" dirty="0" err="1"/>
-              <a:t>experimentwise</a:t>
-            </a:r>
-            <a:r>
-              <a:rPr lang="en-US" i="0" dirty="0"/>
-              <a:t> error.</a:t>
-            </a:r>
-            <a:endParaRPr lang="en-US" dirty="0"/>
-          </a:p>
-          <a:p>
             <a:endParaRPr lang="en-US" dirty="0"/>
           </a:p>
         </p:txBody>
@@ -3222,7 +3137,7 @@
           <a:bodyPr/>
           <a:lstStyle/>
           <a:p>
-            <a:fld id="{F9DB3DAC-CD90-4DD2-80B1-E135CFB4F8DD}" type="slidenum">
+            <a:fld id="{3BB66621-ADCC-4EF8-8003-B9D3E881DCD2}" type="slidenum">
               <a:rPr lang="en-US" smtClean="0"/>
               <a:t>15</a:t>
             </a:fld>
@@ -3233,7 +3148,7 @@
     </p:spTree>
     <p:extLst>
       <p:ext uri="{BB962C8B-B14F-4D97-AF65-F5344CB8AC3E}">
-        <p14:creationId xmlns:p14="http://schemas.microsoft.com/office/powerpoint/2010/main" val="1311398244"/>
+        <p14:creationId xmlns:p14="http://schemas.microsoft.com/office/powerpoint/2010/main" val="4178150201"/>
       </p:ext>
     </p:extLst>
   </p:cSld>
@@ -3372,7 +3287,7 @@
           <a:p>
             <a:fld id="{0138B082-EFC2-46C1-B47C-51736C670379}" type="datetimeFigureOut">
               <a:rPr lang="en-US" smtClean="0"/>
-              <a:t>11/23/2021</a:t>
+              <a:t>1/9/2022</a:t>
             </a:fld>
             <a:endParaRPr lang="en-US"/>
           </a:p>
@@ -3540,7 +3455,7 @@
           <a:p>
             <a:fld id="{0138B082-EFC2-46C1-B47C-51736C670379}" type="datetimeFigureOut">
               <a:rPr lang="en-US" smtClean="0"/>
-              <a:t>11/23/2021</a:t>
+              <a:t>1/9/2022</a:t>
             </a:fld>
             <a:endParaRPr lang="en-US"/>
           </a:p>
@@ -3718,7 +3633,7 @@
           <a:p>
             <a:fld id="{0138B082-EFC2-46C1-B47C-51736C670379}" type="datetimeFigureOut">
               <a:rPr lang="en-US" smtClean="0"/>
-              <a:t>11/23/2021</a:t>
+              <a:t>1/9/2022</a:t>
             </a:fld>
             <a:endParaRPr lang="en-US"/>
           </a:p>
@@ -3886,7 +3801,7 @@
           <a:p>
             <a:fld id="{0138B082-EFC2-46C1-B47C-51736C670379}" type="datetimeFigureOut">
               <a:rPr lang="en-US" smtClean="0"/>
-              <a:t>11/23/2021</a:t>
+              <a:t>1/9/2022</a:t>
             </a:fld>
             <a:endParaRPr lang="en-US"/>
           </a:p>
@@ -4131,7 +4046,7 @@
           <a:p>
             <a:fld id="{0138B082-EFC2-46C1-B47C-51736C670379}" type="datetimeFigureOut">
               <a:rPr lang="en-US" smtClean="0"/>
-              <a:t>11/23/2021</a:t>
+              <a:t>1/9/2022</a:t>
             </a:fld>
             <a:endParaRPr lang="en-US"/>
           </a:p>
@@ -4360,7 +4275,7 @@
           <a:p>
             <a:fld id="{0138B082-EFC2-46C1-B47C-51736C670379}" type="datetimeFigureOut">
               <a:rPr lang="en-US" smtClean="0"/>
-              <a:t>11/23/2021</a:t>
+              <a:t>1/9/2022</a:t>
             </a:fld>
             <a:endParaRPr lang="en-US"/>
           </a:p>
@@ -4724,7 +4639,7 @@
           <a:p>
             <a:fld id="{0138B082-EFC2-46C1-B47C-51736C670379}" type="datetimeFigureOut">
               <a:rPr lang="en-US" smtClean="0"/>
-              <a:t>11/23/2021</a:t>
+              <a:t>1/9/2022</a:t>
             </a:fld>
             <a:endParaRPr lang="en-US"/>
           </a:p>
@@ -4841,7 +4756,7 @@
           <a:p>
             <a:fld id="{0138B082-EFC2-46C1-B47C-51736C670379}" type="datetimeFigureOut">
               <a:rPr lang="en-US" smtClean="0"/>
-              <a:t>11/23/2021</a:t>
+              <a:t>1/9/2022</a:t>
             </a:fld>
             <a:endParaRPr lang="en-US"/>
           </a:p>
@@ -4936,7 +4851,7 @@
           <a:p>
             <a:fld id="{0138B082-EFC2-46C1-B47C-51736C670379}" type="datetimeFigureOut">
               <a:rPr lang="en-US" smtClean="0"/>
-              <a:t>11/23/2021</a:t>
+              <a:t>1/9/2022</a:t>
             </a:fld>
             <a:endParaRPr lang="en-US"/>
           </a:p>
@@ -5211,7 +5126,7 @@
           <a:p>
             <a:fld id="{0138B082-EFC2-46C1-B47C-51736C670379}" type="datetimeFigureOut">
               <a:rPr lang="en-US" smtClean="0"/>
-              <a:t>11/23/2021</a:t>
+              <a:t>1/9/2022</a:t>
             </a:fld>
             <a:endParaRPr lang="en-US"/>
           </a:p>
@@ -5463,7 +5378,7 @@
           <a:p>
             <a:fld id="{0138B082-EFC2-46C1-B47C-51736C670379}" type="datetimeFigureOut">
               <a:rPr lang="en-US" smtClean="0"/>
-              <a:t>11/23/2021</a:t>
+              <a:t>1/9/2022</a:t>
             </a:fld>
             <a:endParaRPr lang="en-US"/>
           </a:p>
@@ -5674,7 +5589,7 @@
           <a:p>
             <a:fld id="{0138B082-EFC2-46C1-B47C-51736C670379}" type="datetimeFigureOut">
               <a:rPr lang="en-US" smtClean="0"/>
-              <a:t>11/23/2021</a:t>
+              <a:t>1/9/2022</a:t>
             </a:fld>
             <a:endParaRPr lang="en-US"/>
           </a:p>
@@ -6333,7 +6248,7 @@
                 </a:solidFill>
                 <a:latin typeface="Aliens &amp; cows" panose="00000500000000000000" pitchFamily="2" charset="0"/>
               </a:rPr>
-              <a:t>Demos</a:t>
+              <a:t>Demo</a:t>
             </a:r>
           </a:p>
         </p:txBody>
@@ -6376,7 +6291,7 @@
         <p:spPr>
           <a:xfrm>
             <a:off x="173620" y="219919"/>
-            <a:ext cx="5937813" cy="2677656"/>
+            <a:ext cx="5937813" cy="3108543"/>
           </a:xfrm>
           <a:prstGeom prst="rect">
             <a:avLst/>
@@ -6388,6 +6303,17 @@
             <a:spAutoFit/>
           </a:bodyPr>
           <a:lstStyle/>
+          <a:p>
+            <a:r>
+              <a:rPr lang="en-US" sz="2800" b="1" dirty="0">
+                <a:solidFill>
+                  <a:srgbClr val="CF3338"/>
+                </a:solidFill>
+                <a:latin typeface="Pragmatica" pitchFamily="2" charset="0"/>
+              </a:rPr>
+              <a:t>Data analytics in Excel</a:t>
+            </a:r>
+          </a:p>
           <a:p>
             <a:endParaRPr lang="en-US" sz="2800" b="1" dirty="0">
               <a:solidFill>
@@ -6408,7 +6334,7 @@
                 </a:solidFill>
                 <a:latin typeface="Pragmatica" pitchFamily="2" charset="0"/>
               </a:rPr>
-              <a:t>Analyze A/B test results in Excel</a:t>
+              <a:t>Is there a difference in AOV between legacy and prototype stores?</a:t>
             </a:r>
           </a:p>
           <a:p>
@@ -6423,8 +6349,23 @@
                 </a:solidFill>
                 <a:latin typeface="Pragmatica" pitchFamily="2" charset="0"/>
               </a:rPr>
-              <a:t>Confirm them in R</a:t>
-            </a:r>
+              <a:t>Data: </a:t>
+            </a:r>
+            <a:r>
+              <a:rPr lang="en-US" sz="2800" b="1" dirty="0">
+                <a:solidFill>
+                  <a:srgbClr val="CF3338"/>
+                </a:solidFill>
+                <a:latin typeface="Consolas" panose="020B0609020204030204" pitchFamily="49" charset="0"/>
+              </a:rPr>
+              <a:t>retail.xlsx</a:t>
+            </a:r>
+            <a:endParaRPr lang="en-US" sz="2800" b="1" dirty="0">
+              <a:solidFill>
+                <a:srgbClr val="CF3338"/>
+              </a:solidFill>
+              <a:latin typeface="Pragmatica" pitchFamily="2" charset="0"/>
+            </a:endParaRPr>
           </a:p>
           <a:p>
             <a:pPr marL="514350" indent="-514350">
@@ -6438,24 +6379,24 @@
                 </a:solidFill>
                 <a:latin typeface="Pragmatica" pitchFamily="2" charset="0"/>
               </a:rPr>
-              <a:t>Model a linear regression in Python	</a:t>
-            </a:r>
-          </a:p>
-          <a:p>
-            <a:pPr lvl="1"/>
-            <a:endParaRPr lang="en-US" sz="2800" b="1" dirty="0">
-              <a:solidFill>
-                <a:srgbClr val="CF3338"/>
-              </a:solidFill>
-              <a:latin typeface="Pragmatica" pitchFamily="2" charset="0"/>
-            </a:endParaRPr>
+              <a:t>Demo notes: </a:t>
+            </a:r>
+            <a:r>
+              <a:rPr lang="en-US" sz="2800" b="1" dirty="0">
+                <a:solidFill>
+                  <a:srgbClr val="CF3338"/>
+                </a:solidFill>
+                <a:latin typeface="Consolas" panose="020B0609020204030204" pitchFamily="49" charset="0"/>
+              </a:rPr>
+              <a:t>excel-demo.docx</a:t>
+            </a:r>
           </a:p>
         </p:txBody>
       </p:sp>
     </p:spTree>
     <p:extLst>
       <p:ext uri="{BB962C8B-B14F-4D97-AF65-F5344CB8AC3E}">
-        <p14:creationId xmlns:p14="http://schemas.microsoft.com/office/powerpoint/2010/main" val="3454856088"/>
+        <p14:creationId xmlns:p14="http://schemas.microsoft.com/office/powerpoint/2010/main" val="3120651232"/>
       </p:ext>
     </p:extLst>
   </p:cSld>
@@ -6482,92 +6423,44 @@
           <a:chExt cx="0" cy="0"/>
         </a:xfrm>
       </p:grpSpPr>
-      <p:sp>
-        <p:nvSpPr>
-          <p:cNvPr id="4" name="Rectangle 3"/>
-          <p:cNvSpPr/>
-          <p:nvPr/>
-        </p:nvSpPr>
-        <p:spPr>
-          <a:xfrm>
-            <a:off x="6574420" y="0"/>
-            <a:ext cx="5617580" cy="6858000"/>
-          </a:xfrm>
-          <a:prstGeom prst="rect">
-            <a:avLst/>
-          </a:prstGeom>
-          <a:solidFill>
-            <a:srgbClr val="CF3338"/>
-          </a:solidFill>
-        </p:spPr>
-        <p:style>
-          <a:lnRef idx="2">
-            <a:schemeClr val="accent1">
-              <a:shade val="50000"/>
-            </a:schemeClr>
-          </a:lnRef>
-          <a:fillRef idx="1">
-            <a:schemeClr val="accent1"/>
-          </a:fillRef>
-          <a:effectRef idx="0">
-            <a:schemeClr val="accent1"/>
-          </a:effectRef>
-          <a:fontRef idx="minor">
-            <a:schemeClr val="lt1"/>
-          </a:fontRef>
-        </p:style>
-        <p:txBody>
-          <a:bodyPr rtlCol="0" anchor="ctr"/>
-          <a:lstStyle/>
-          <a:p>
-            <a:pPr algn="ctr"/>
-            <a:endParaRPr lang="en-US"/>
-          </a:p>
-        </p:txBody>
-      </p:sp>
-      <p:sp>
-        <p:nvSpPr>
-          <p:cNvPr id="5" name="TextBox 4"/>
-          <p:cNvSpPr txBox="1"/>
-          <p:nvPr/>
-        </p:nvSpPr>
-        <p:spPr>
-          <a:xfrm>
-            <a:off x="6817489" y="0"/>
-            <a:ext cx="4120587" cy="1446550"/>
-          </a:xfrm>
-          <a:prstGeom prst="rect">
-            <a:avLst/>
-          </a:prstGeom>
-          <a:noFill/>
-        </p:spPr>
-        <p:txBody>
-          <a:bodyPr wrap="square" rtlCol="0">
-            <a:spAutoFit/>
-          </a:bodyPr>
-          <a:lstStyle/>
-          <a:p>
-            <a:r>
-              <a:rPr lang="en-US" sz="8800" dirty="0">
-                <a:solidFill>
-                  <a:schemeClr val="bg1"/>
-                </a:solidFill>
-                <a:latin typeface="Aliens &amp; cows" panose="00000500000000000000" pitchFamily="2" charset="0"/>
-              </a:rPr>
-              <a:t>Demo</a:t>
-            </a:r>
-          </a:p>
-        </p:txBody>
-      </p:sp>
       <p:pic>
         <p:nvPicPr>
-          <p:cNvPr id="2" name="Picture 1"/>
+          <p:cNvPr id="10" name="Picture 9"/>
           <p:cNvPicPr>
             <a:picLocks noChangeAspect="1"/>
           </p:cNvPicPr>
           <p:nvPr/>
         </p:nvPicPr>
         <p:blipFill rotWithShape="1">
+          <a:blip r:embed="rId2">
+            <a:extLst>
+              <a:ext uri="{28A0092B-C50C-407E-A947-70E740481C1C}">
+                <a14:useLocalDpi xmlns:a14="http://schemas.microsoft.com/office/drawing/2010/main" val="0"/>
+              </a:ext>
+            </a:extLst>
+          </a:blip>
+          <a:srcRect l="50728" t="56371"/>
+          <a:stretch/>
+        </p:blipFill>
+        <p:spPr>
+          <a:xfrm>
+            <a:off x="8136460" y="2210765"/>
+            <a:ext cx="4055539" cy="4647236"/>
+          </a:xfrm>
+          <a:prstGeom prst="rect">
+            <a:avLst/>
+          </a:prstGeom>
+        </p:spPr>
+      </p:pic>
+      <p:pic>
+        <p:nvPicPr>
+          <p:cNvPr id="4" name="Picture 3"/>
+          <p:cNvPicPr>
+            <a:picLocks noChangeAspect="1"/>
+          </p:cNvPicPr>
+          <p:nvPr/>
+        </p:nvPicPr>
+        <p:blipFill>
           <a:blip r:embed="rId3">
             <a:extLst>
               <a:ext uri="{28A0092B-C50C-407E-A947-70E740481C1C}">
@@ -6575,13 +6468,14 @@
               </a:ext>
             </a:extLst>
           </a:blip>
-          <a:srcRect l="69227" t="33418" r="20112" b="50548"/>
-          <a:stretch/>
+          <a:stretch>
+            <a:fillRect/>
+          </a:stretch>
         </p:blipFill>
         <p:spPr>
           <a:xfrm>
-            <a:off x="10386349" y="5029795"/>
-            <a:ext cx="1805651" cy="1991719"/>
+            <a:off x="-538496" y="-2482770"/>
+            <a:ext cx="10171472" cy="7459883"/>
           </a:xfrm>
           <a:prstGeom prst="rect">
             <a:avLst/>
@@ -6590,14 +6484,14 @@
       </p:pic>
       <p:sp>
         <p:nvSpPr>
-          <p:cNvPr id="3" name="TextBox 2"/>
+          <p:cNvPr id="11" name="TextBox 10"/>
           <p:cNvSpPr txBox="1"/>
           <p:nvPr/>
         </p:nvSpPr>
         <p:spPr>
           <a:xfrm>
-            <a:off x="173620" y="219919"/>
-            <a:ext cx="5937813" cy="3108543"/>
+            <a:off x="324091" y="1687545"/>
+            <a:ext cx="7986531" cy="1077218"/>
           </a:xfrm>
           <a:prstGeom prst="rect">
             <a:avLst/>
@@ -6611,98 +6505,29 @@
           <a:lstStyle/>
           <a:p>
             <a:r>
-              <a:rPr lang="en-US" sz="2800" b="1" dirty="0">
+              <a:rPr lang="en-US" sz="4400" b="1" dirty="0">
                 <a:solidFill>
-                  <a:srgbClr val="CF3338"/>
+                  <a:srgbClr val="707070"/>
                 </a:solidFill>
-                <a:latin typeface="Pragmatica" pitchFamily="2" charset="0"/>
+                <a:latin typeface="Pragmatica" panose="020B0403040502020204" pitchFamily="34" charset="0"/>
               </a:rPr>
-              <a:t>Data analytics in Excel</a:t>
-            </a:r>
-          </a:p>
-          <a:p>
-            <a:endParaRPr lang="en-US" sz="2800" b="1" dirty="0">
+              <a:t>Questions?</a:t>
+            </a:r>
+          </a:p>
+          <a:p>
+            <a:endParaRPr lang="en-US" sz="2000" b="1" i="1" dirty="0">
               <a:solidFill>
-                <a:srgbClr val="CF3338"/>
+                <a:srgbClr val="707070"/>
               </a:solidFill>
-              <a:latin typeface="Pragmatica" pitchFamily="2" charset="0"/>
+              <a:latin typeface="Pragmatica" panose="020B0403040502020204" pitchFamily="34" charset="0"/>
             </a:endParaRPr>
-          </a:p>
-          <a:p>
-            <a:pPr marL="514350" indent="-514350">
-              <a:buFont typeface="Arial" panose="020B0604020202020204" pitchFamily="34" charset="0"/>
-              <a:buChar char="•"/>
-            </a:pPr>
-            <a:r>
-              <a:rPr lang="en-US" sz="2800" b="1" dirty="0">
-                <a:solidFill>
-                  <a:srgbClr val="CF3338"/>
-                </a:solidFill>
-                <a:latin typeface="Pragmatica" pitchFamily="2" charset="0"/>
-              </a:rPr>
-              <a:t>Is there a difference in AOV between legacy and prototype stores?</a:t>
-            </a:r>
-          </a:p>
-          <a:p>
-            <a:pPr marL="514350" indent="-514350">
-              <a:buFont typeface="Arial" panose="020B0604020202020204" pitchFamily="34" charset="0"/>
-              <a:buChar char="•"/>
-            </a:pPr>
-            <a:r>
-              <a:rPr lang="en-US" sz="2800" b="1" dirty="0">
-                <a:solidFill>
-                  <a:srgbClr val="CF3338"/>
-                </a:solidFill>
-                <a:latin typeface="Pragmatica" pitchFamily="2" charset="0"/>
-              </a:rPr>
-              <a:t>Data: </a:t>
-            </a:r>
-            <a:r>
-              <a:rPr lang="en-US" sz="2800" b="1" dirty="0">
-                <a:solidFill>
-                  <a:srgbClr val="CF3338"/>
-                </a:solidFill>
-                <a:latin typeface="Consolas" panose="020B0609020204030204" pitchFamily="49" charset="0"/>
-              </a:rPr>
-              <a:t>retail.xlsx</a:t>
-            </a:r>
-            <a:endParaRPr lang="en-US" sz="2800" b="1" dirty="0">
-              <a:solidFill>
-                <a:srgbClr val="CF3338"/>
-              </a:solidFill>
-              <a:latin typeface="Pragmatica" pitchFamily="2" charset="0"/>
-            </a:endParaRPr>
-          </a:p>
-          <a:p>
-            <a:pPr marL="514350" indent="-514350">
-              <a:buFont typeface="Arial" panose="020B0604020202020204" pitchFamily="34" charset="0"/>
-              <a:buChar char="•"/>
-            </a:pPr>
-            <a:r>
-              <a:rPr lang="en-US" sz="2800" b="1" dirty="0">
-                <a:solidFill>
-                  <a:srgbClr val="CF3338"/>
-                </a:solidFill>
-                <a:latin typeface="Pragmatica" pitchFamily="2" charset="0"/>
-              </a:rPr>
-              <a:t>Demo notes: </a:t>
-            </a:r>
-            <a:r>
-              <a:rPr lang="en-US" sz="2800" b="1" dirty="0">
-                <a:solidFill>
-                  <a:srgbClr val="CF3338"/>
-                </a:solidFill>
-                <a:latin typeface="Consolas" panose="020B0609020204030204" pitchFamily="49" charset="0"/>
-              </a:rPr>
-              <a:t>excel-demo.docx</a:t>
-            </a:r>
           </a:p>
         </p:txBody>
       </p:sp>
     </p:spTree>
     <p:extLst>
       <p:ext uri="{BB962C8B-B14F-4D97-AF65-F5344CB8AC3E}">
-        <p14:creationId xmlns:p14="http://schemas.microsoft.com/office/powerpoint/2010/main" val="3120651232"/>
+        <p14:creationId xmlns:p14="http://schemas.microsoft.com/office/powerpoint/2010/main" val="939983159"/>
       </p:ext>
     </p:extLst>
   </p:cSld>
@@ -6738,137 +6563,6 @@
           <p:nvPr/>
         </p:nvPicPr>
         <p:blipFill rotWithShape="1">
-          <a:blip r:embed="rId2">
-            <a:extLst>
-              <a:ext uri="{28A0092B-C50C-407E-A947-70E740481C1C}">
-                <a14:useLocalDpi xmlns:a14="http://schemas.microsoft.com/office/drawing/2010/main" val="0"/>
-              </a:ext>
-            </a:extLst>
-          </a:blip>
-          <a:srcRect l="50728" t="56371"/>
-          <a:stretch/>
-        </p:blipFill>
-        <p:spPr>
-          <a:xfrm>
-            <a:off x="8136460" y="2210765"/>
-            <a:ext cx="4055539" cy="4647236"/>
-          </a:xfrm>
-          <a:prstGeom prst="rect">
-            <a:avLst/>
-          </a:prstGeom>
-        </p:spPr>
-      </p:pic>
-      <p:pic>
-        <p:nvPicPr>
-          <p:cNvPr id="4" name="Picture 3"/>
-          <p:cNvPicPr>
-            <a:picLocks noChangeAspect="1"/>
-          </p:cNvPicPr>
-          <p:nvPr/>
-        </p:nvPicPr>
-        <p:blipFill>
-          <a:blip r:embed="rId3">
-            <a:extLst>
-              <a:ext uri="{28A0092B-C50C-407E-A947-70E740481C1C}">
-                <a14:useLocalDpi xmlns:a14="http://schemas.microsoft.com/office/drawing/2010/main" val="0"/>
-              </a:ext>
-            </a:extLst>
-          </a:blip>
-          <a:stretch>
-            <a:fillRect/>
-          </a:stretch>
-        </p:blipFill>
-        <p:spPr>
-          <a:xfrm>
-            <a:off x="-538496" y="-2482770"/>
-            <a:ext cx="10171472" cy="7459883"/>
-          </a:xfrm>
-          <a:prstGeom prst="rect">
-            <a:avLst/>
-          </a:prstGeom>
-        </p:spPr>
-      </p:pic>
-      <p:sp>
-        <p:nvSpPr>
-          <p:cNvPr id="11" name="TextBox 10"/>
-          <p:cNvSpPr txBox="1"/>
-          <p:nvPr/>
-        </p:nvSpPr>
-        <p:spPr>
-          <a:xfrm>
-            <a:off x="324091" y="1687545"/>
-            <a:ext cx="7986531" cy="1077218"/>
-          </a:xfrm>
-          <a:prstGeom prst="rect">
-            <a:avLst/>
-          </a:prstGeom>
-          <a:noFill/>
-        </p:spPr>
-        <p:txBody>
-          <a:bodyPr wrap="square" rtlCol="0">
-            <a:spAutoFit/>
-          </a:bodyPr>
-          <a:lstStyle/>
-          <a:p>
-            <a:r>
-              <a:rPr lang="en-US" sz="4400" b="1" dirty="0">
-                <a:solidFill>
-                  <a:srgbClr val="707070"/>
-                </a:solidFill>
-                <a:latin typeface="Pragmatica" panose="020B0403040502020204" pitchFamily="34" charset="0"/>
-              </a:rPr>
-              <a:t>Questions?</a:t>
-            </a:r>
-          </a:p>
-          <a:p>
-            <a:endParaRPr lang="en-US" sz="2000" b="1" i="1" dirty="0">
-              <a:solidFill>
-                <a:srgbClr val="707070"/>
-              </a:solidFill>
-              <a:latin typeface="Pragmatica" panose="020B0403040502020204" pitchFamily="34" charset="0"/>
-            </a:endParaRPr>
-          </a:p>
-        </p:txBody>
-      </p:sp>
-    </p:spTree>
-    <p:extLst>
-      <p:ext uri="{BB962C8B-B14F-4D97-AF65-F5344CB8AC3E}">
-        <p14:creationId xmlns:p14="http://schemas.microsoft.com/office/powerpoint/2010/main" val="939983159"/>
-      </p:ext>
-    </p:extLst>
-  </p:cSld>
-  <p:clrMapOvr>
-    <a:masterClrMapping/>
-  </p:clrMapOvr>
-</p:sld>
-</file>
-
-<file path=ppt/slides/slide13.xml><?xml version="1.0" encoding="utf-8"?>
-<p:sld xmlns:a="http://schemas.openxmlformats.org/drawingml/2006/main" xmlns:r="http://schemas.openxmlformats.org/officeDocument/2006/relationships" xmlns:p="http://schemas.openxmlformats.org/presentationml/2006/main">
-  <p:cSld>
-    <p:spTree>
-      <p:nvGrpSpPr>
-        <p:cNvPr id="1" name=""/>
-        <p:cNvGrpSpPr/>
-        <p:nvPr/>
-      </p:nvGrpSpPr>
-      <p:grpSpPr>
-        <a:xfrm>
-          <a:off x="0" y="0"/>
-          <a:ext cx="0" cy="0"/>
-          <a:chOff x="0" y="0"/>
-          <a:chExt cx="0" cy="0"/>
-        </a:xfrm>
-      </p:grpSpPr>
-      <p:pic>
-        <p:nvPicPr>
-          <p:cNvPr id="10" name="Picture 9"/>
-          <p:cNvPicPr>
-            <a:picLocks noChangeAspect="1"/>
-          </p:cNvPicPr>
-          <p:nvPr/>
-        </p:nvPicPr>
-        <p:blipFill rotWithShape="1">
           <a:blip r:embed="rId3">
             <a:extLst>
               <a:ext uri="{28A0092B-C50C-407E-A947-70E740481C1C}">
@@ -7217,7 +6911,7 @@
 </p:sld>
 </file>
 
-<file path=ppt/slides/slide14.xml><?xml version="1.0" encoding="utf-8"?>
+<file path=ppt/slides/slide13.xml><?xml version="1.0" encoding="utf-8"?>
 <p:sld xmlns:a="http://schemas.openxmlformats.org/drawingml/2006/main" xmlns:r="http://schemas.openxmlformats.org/officeDocument/2006/relationships" xmlns:p="http://schemas.openxmlformats.org/presentationml/2006/main">
   <p:cSld>
     <p:spTree>
@@ -7470,7 +7164,7 @@
 </p:sld>
 </file>
 
-<file path=ppt/slides/slide15.xml><?xml version="1.0" encoding="utf-8"?>
+<file path=ppt/slides/slide14.xml><?xml version="1.0" encoding="utf-8"?>
 <p:sld xmlns:a="http://schemas.openxmlformats.org/drawingml/2006/main" xmlns:r="http://schemas.openxmlformats.org/officeDocument/2006/relationships" xmlns:p="http://schemas.openxmlformats.org/presentationml/2006/main">
   <p:cSld>
     <p:spTree>
@@ -7661,7 +7355,7 @@
 </p:sld>
 </file>
 
-<file path=ppt/slides/slide16.xml><?xml version="1.0" encoding="utf-8"?>
+<file path=ppt/slides/slide15.xml><?xml version="1.0" encoding="utf-8"?>
 <p:sld xmlns:a="http://schemas.openxmlformats.org/drawingml/2006/main" xmlns:r="http://schemas.openxmlformats.org/officeDocument/2006/relationships" xmlns:p="http://schemas.openxmlformats.org/presentationml/2006/main">
   <p:cSld>
     <p:spTree>
@@ -7819,7 +7513,7 @@
 </p:sld>
 </file>
 
-<file path=ppt/slides/slide17.xml><?xml version="1.0" encoding="utf-8"?>
+<file path=ppt/slides/slide16.xml><?xml version="1.0" encoding="utf-8"?>
 <p:sld xmlns:a="http://schemas.openxmlformats.org/drawingml/2006/main" xmlns:r="http://schemas.openxmlformats.org/officeDocument/2006/relationships" xmlns:p="http://schemas.openxmlformats.org/presentationml/2006/main">
   <p:cSld>
     <p:spTree>
@@ -8072,7 +7766,7 @@
 </p:sld>
 </file>
 
-<file path=ppt/slides/slide18.xml><?xml version="1.0" encoding="utf-8"?>
+<file path=ppt/slides/slide17.xml><?xml version="1.0" encoding="utf-8"?>
 <p:sld xmlns:a="http://schemas.openxmlformats.org/drawingml/2006/main" xmlns:r="http://schemas.openxmlformats.org/officeDocument/2006/relationships" xmlns:p="http://schemas.openxmlformats.org/presentationml/2006/main">
   <p:cSld>
     <p:spTree>
@@ -8203,6 +7897,113 @@
 </p:sld>
 </file>
 
+<file path=ppt/slides/slide18.xml><?xml version="1.0" encoding="utf-8"?>
+<p:sld xmlns:a="http://schemas.openxmlformats.org/drawingml/2006/main" xmlns:r="http://schemas.openxmlformats.org/officeDocument/2006/relationships" xmlns:p="http://schemas.openxmlformats.org/presentationml/2006/main">
+  <p:cSld>
+    <p:spTree>
+      <p:nvGrpSpPr>
+        <p:cNvPr id="1" name=""/>
+        <p:cNvGrpSpPr/>
+        <p:nvPr/>
+      </p:nvGrpSpPr>
+      <p:grpSpPr>
+        <a:xfrm>
+          <a:off x="0" y="0"/>
+          <a:ext cx="0" cy="0"/>
+          <a:chOff x="0" y="0"/>
+          <a:chExt cx="0" cy="0"/>
+        </a:xfrm>
+      </p:grpSpPr>
+      <p:sp>
+        <p:nvSpPr>
+          <p:cNvPr id="4" name="Rectangle 3"/>
+          <p:cNvSpPr/>
+          <p:nvPr/>
+        </p:nvSpPr>
+        <p:spPr>
+          <a:xfrm>
+            <a:off x="0" y="0"/>
+            <a:ext cx="12192000" cy="6858000"/>
+          </a:xfrm>
+          <a:prstGeom prst="rect">
+            <a:avLst/>
+          </a:prstGeom>
+          <a:solidFill>
+            <a:srgbClr val="CF3338"/>
+          </a:solidFill>
+        </p:spPr>
+        <p:style>
+          <a:lnRef idx="2">
+            <a:schemeClr val="accent1">
+              <a:shade val="50000"/>
+            </a:schemeClr>
+          </a:lnRef>
+          <a:fillRef idx="1">
+            <a:schemeClr val="accent1"/>
+          </a:fillRef>
+          <a:effectRef idx="0">
+            <a:schemeClr val="accent1"/>
+          </a:effectRef>
+          <a:fontRef idx="minor">
+            <a:schemeClr val="lt1"/>
+          </a:fontRef>
+        </p:style>
+        <p:txBody>
+          <a:bodyPr rtlCol="0" anchor="ctr"/>
+          <a:lstStyle/>
+          <a:p>
+            <a:pPr algn="ctr"/>
+            <a:endParaRPr lang="en-US"/>
+          </a:p>
+        </p:txBody>
+      </p:sp>
+      <p:sp>
+        <p:nvSpPr>
+          <p:cNvPr id="5" name="TextBox 4"/>
+          <p:cNvSpPr txBox="1"/>
+          <p:nvPr/>
+        </p:nvSpPr>
+        <p:spPr>
+          <a:xfrm>
+            <a:off x="520861" y="393539"/>
+            <a:ext cx="10324617" cy="1107996"/>
+          </a:xfrm>
+          <a:prstGeom prst="rect">
+            <a:avLst/>
+          </a:prstGeom>
+          <a:noFill/>
+        </p:spPr>
+        <p:txBody>
+          <a:bodyPr wrap="square" rtlCol="0">
+            <a:spAutoFit/>
+          </a:bodyPr>
+          <a:lstStyle/>
+          <a:p>
+            <a:r>
+              <a:rPr lang="en-US" sz="6600" b="1" dirty="0">
+                <a:solidFill>
+                  <a:schemeClr val="bg1"/>
+                </a:solidFill>
+                <a:latin typeface="Pragmatica" pitchFamily="2" charset="0"/>
+              </a:rPr>
+              <a:t>Conclusion/Next steps</a:t>
+            </a:r>
+          </a:p>
+        </p:txBody>
+      </p:sp>
+    </p:spTree>
+    <p:extLst>
+      <p:ext uri="{BB962C8B-B14F-4D97-AF65-F5344CB8AC3E}">
+        <p14:creationId xmlns:p14="http://schemas.microsoft.com/office/powerpoint/2010/main" val="1922980201"/>
+      </p:ext>
+    </p:extLst>
+  </p:cSld>
+  <p:clrMapOvr>
+    <a:masterClrMapping/>
+  </p:clrMapOvr>
+</p:sld>
+</file>
+
 <file path=ppt/slides/slide19.xml><?xml version="1.0" encoding="utf-8"?>
 <p:sld xmlns:a="http://schemas.openxmlformats.org/drawingml/2006/main" xmlns:r="http://schemas.openxmlformats.org/officeDocument/2006/relationships" xmlns:p="http://schemas.openxmlformats.org/presentationml/2006/main">
   <p:cSld>
@@ -8220,59 +8021,51 @@
           <a:chExt cx="0" cy="0"/>
         </a:xfrm>
       </p:grpSpPr>
-      <p:sp>
-        <p:nvSpPr>
-          <p:cNvPr id="4" name="Rectangle 3"/>
-          <p:cNvSpPr/>
+      <p:pic>
+        <p:nvPicPr>
+          <p:cNvPr id="10" name="Picture 9"/>
+          <p:cNvPicPr>
+            <a:picLocks noChangeAspect="1"/>
+          </p:cNvPicPr>
           <p:nvPr/>
-        </p:nvSpPr>
-        <p:spPr>
-          <a:xfrm>
-            <a:off x="0" y="0"/>
-            <a:ext cx="12192000" cy="6858000"/>
+        </p:nvPicPr>
+        <p:blipFill rotWithShape="1">
+          <a:blip r:embed="rId3">
+            <a:extLst>
+              <a:ext uri="{28A0092B-C50C-407E-A947-70E740481C1C}">
+                <a14:useLocalDpi xmlns:a14="http://schemas.microsoft.com/office/drawing/2010/main" val="0"/>
+              </a:ext>
+            </a:extLst>
+          </a:blip>
+          <a:srcRect l="50728" t="56371"/>
+          <a:stretch/>
+        </p:blipFill>
+        <p:spPr>
+          <a:xfrm>
+            <a:off x="10894024" y="5370653"/>
+            <a:ext cx="1297975" cy="1487348"/>
           </a:xfrm>
           <a:prstGeom prst="rect">
             <a:avLst/>
           </a:prstGeom>
-          <a:solidFill>
-            <a:srgbClr val="CF3338"/>
-          </a:solidFill>
-        </p:spPr>
-        <p:style>
-          <a:lnRef idx="2">
-            <a:schemeClr val="accent1">
-              <a:shade val="50000"/>
-            </a:schemeClr>
-          </a:lnRef>
-          <a:fillRef idx="1">
-            <a:schemeClr val="accent1"/>
-          </a:fillRef>
-          <a:effectRef idx="0">
-            <a:schemeClr val="accent1"/>
-          </a:effectRef>
-          <a:fontRef idx="minor">
-            <a:schemeClr val="lt1"/>
-          </a:fontRef>
-        </p:style>
-        <p:txBody>
-          <a:bodyPr rtlCol="0" anchor="ctr"/>
-          <a:lstStyle/>
-          <a:p>
-            <a:pPr algn="ctr"/>
-            <a:endParaRPr lang="en-US"/>
-          </a:p>
-        </p:txBody>
-      </p:sp>
-      <p:sp>
-        <p:nvSpPr>
-          <p:cNvPr id="5" name="TextBox 4"/>
+        </p:spPr>
+      </p:pic>
+      <p:sp>
+        <p:nvSpPr>
+          <p:cNvPr id="14" name="TextBox 13">
+            <a:extLst>
+              <a:ext uri="{FF2B5EF4-FFF2-40B4-BE49-F238E27FC236}">
+                <a16:creationId xmlns:a16="http://schemas.microsoft.com/office/drawing/2014/main" id="{F6C5EE83-44AB-40CE-9233-7437DDE03EA0}"/>
+              </a:ext>
+            </a:extLst>
+          </p:cNvPr>
           <p:cNvSpPr txBox="1"/>
           <p:nvPr/>
         </p:nvSpPr>
         <p:spPr>
           <a:xfrm>
-            <a:off x="520861" y="393539"/>
-            <a:ext cx="10324617" cy="1107996"/>
+            <a:off x="399871" y="1727960"/>
+            <a:ext cx="7986531" cy="1815882"/>
           </a:xfrm>
           <a:prstGeom prst="rect">
             <a:avLst/>
@@ -8285,14 +8078,93 @@
           </a:bodyPr>
           <a:lstStyle/>
           <a:p>
-            <a:r>
-              <a:rPr lang="en-US" sz="6600" b="1" dirty="0">
+            <a:pPr marL="514350" indent="-514350">
+              <a:buFont typeface="Arial" panose="020B0604020202020204" pitchFamily="34" charset="0"/>
+              <a:buChar char="•"/>
+            </a:pPr>
+            <a:r>
+              <a:rPr lang="en-US" sz="2800" b="1" dirty="0">
                 <a:solidFill>
-                  <a:schemeClr val="bg1"/>
+                  <a:srgbClr val="707070"/>
                 </a:solidFill>
-                <a:latin typeface="Pragmatica" pitchFamily="2" charset="0"/>
+                <a:latin typeface="Pragmatica" panose="020B0403040502020204" pitchFamily="34" charset="0"/>
               </a:rPr>
-              <a:t>Conclusion/Next steps</a:t>
+              <a:t>The underlying math &amp; philosophy of analytics</a:t>
+            </a:r>
+          </a:p>
+          <a:p>
+            <a:pPr marL="514350" indent="-514350">
+              <a:buFont typeface="Arial" panose="020B0604020202020204" pitchFamily="34" charset="0"/>
+              <a:buChar char="•"/>
+            </a:pPr>
+            <a:r>
+              <a:rPr lang="en-US" sz="2800" b="1" dirty="0">
+                <a:solidFill>
+                  <a:srgbClr val="707070"/>
+                </a:solidFill>
+                <a:latin typeface="Pragmatica" panose="020B0403040502020204" pitchFamily="34" charset="0"/>
+              </a:rPr>
+              <a:t>Data cleaning in R &amp; Python</a:t>
+            </a:r>
+          </a:p>
+          <a:p>
+            <a:pPr marL="514350" indent="-514350">
+              <a:buFont typeface="Arial" panose="020B0604020202020204" pitchFamily="34" charset="0"/>
+              <a:buChar char="•"/>
+            </a:pPr>
+            <a:r>
+              <a:rPr lang="en-US" sz="2800" b="1" dirty="0">
+                <a:solidFill>
+                  <a:srgbClr val="707070"/>
+                </a:solidFill>
+                <a:latin typeface="Pragmatica" panose="020B0403040502020204" pitchFamily="34" charset="0"/>
+              </a:rPr>
+              <a:t>Further data visualizations</a:t>
+            </a:r>
+          </a:p>
+          <a:p>
+            <a:endParaRPr lang="en-US" sz="2800" b="1" dirty="0">
+              <a:solidFill>
+                <a:srgbClr val="707070"/>
+              </a:solidFill>
+              <a:latin typeface="Pragmatica" panose="020B0403040502020204" pitchFamily="34" charset="0"/>
+            </a:endParaRPr>
+          </a:p>
+        </p:txBody>
+      </p:sp>
+      <p:sp>
+        <p:nvSpPr>
+          <p:cNvPr id="17" name="TextBox 16">
+            <a:extLst>
+              <a:ext uri="{FF2B5EF4-FFF2-40B4-BE49-F238E27FC236}">
+                <a16:creationId xmlns:a16="http://schemas.microsoft.com/office/drawing/2014/main" id="{247B7D4D-86A2-4C05-8B53-B00B9FEDB7BD}"/>
+              </a:ext>
+            </a:extLst>
+          </p:cNvPr>
+          <p:cNvSpPr txBox="1"/>
+          <p:nvPr/>
+        </p:nvSpPr>
+        <p:spPr>
+          <a:xfrm>
+            <a:off x="347240" y="113388"/>
+            <a:ext cx="9799937" cy="1015663"/>
+          </a:xfrm>
+          <a:prstGeom prst="rect">
+            <a:avLst/>
+          </a:prstGeom>
+          <a:noFill/>
+        </p:spPr>
+        <p:txBody>
+          <a:bodyPr wrap="square" rtlCol="0">
+            <a:spAutoFit/>
+          </a:bodyPr>
+          <a:lstStyle/>
+          <a:p>
+            <a:r>
+              <a:rPr lang="en-US" sz="6000" dirty="0">
+                <a:latin typeface="Aliens &amp; cows" panose="00000500000000000000" pitchFamily="2" charset="0"/>
+              </a:rPr>
+              <a:t>Cracking the book</a:t>
             </a:r>
           </a:p>
         </p:txBody>
@@ -8300,7 +8172,7 @@
     </p:spTree>
     <p:extLst>
       <p:ext uri="{BB962C8B-B14F-4D97-AF65-F5344CB8AC3E}">
-        <p14:creationId xmlns:p14="http://schemas.microsoft.com/office/powerpoint/2010/main" val="1922980201"/>
+        <p14:creationId xmlns:p14="http://schemas.microsoft.com/office/powerpoint/2010/main" val="3991979162"/>
       </p:ext>
     </p:extLst>
   </p:cSld>
@@ -8692,184 +8564,6 @@
           <p:nvPr/>
         </p:nvPicPr>
         <p:blipFill rotWithShape="1">
-          <a:blip r:embed="rId3">
-            <a:extLst>
-              <a:ext uri="{28A0092B-C50C-407E-A947-70E740481C1C}">
-                <a14:useLocalDpi xmlns:a14="http://schemas.microsoft.com/office/drawing/2010/main" val="0"/>
-              </a:ext>
-            </a:extLst>
-          </a:blip>
-          <a:srcRect l="50728" t="56371"/>
-          <a:stretch/>
-        </p:blipFill>
-        <p:spPr>
-          <a:xfrm>
-            <a:off x="10894024" y="5370653"/>
-            <a:ext cx="1297975" cy="1487348"/>
-          </a:xfrm>
-          <a:prstGeom prst="rect">
-            <a:avLst/>
-          </a:prstGeom>
-        </p:spPr>
-      </p:pic>
-      <p:sp>
-        <p:nvSpPr>
-          <p:cNvPr id="14" name="TextBox 13">
-            <a:extLst>
-              <a:ext uri="{FF2B5EF4-FFF2-40B4-BE49-F238E27FC236}">
-                <a16:creationId xmlns:a16="http://schemas.microsoft.com/office/drawing/2014/main" id="{F6C5EE83-44AB-40CE-9233-7437DDE03EA0}"/>
-              </a:ext>
-            </a:extLst>
-          </p:cNvPr>
-          <p:cNvSpPr txBox="1"/>
-          <p:nvPr/>
-        </p:nvSpPr>
-        <p:spPr>
-          <a:xfrm>
-            <a:off x="399871" y="1727960"/>
-            <a:ext cx="7986531" cy="1815882"/>
-          </a:xfrm>
-          <a:prstGeom prst="rect">
-            <a:avLst/>
-          </a:prstGeom>
-          <a:noFill/>
-        </p:spPr>
-        <p:txBody>
-          <a:bodyPr wrap="square" rtlCol="0">
-            <a:spAutoFit/>
-          </a:bodyPr>
-          <a:lstStyle/>
-          <a:p>
-            <a:pPr marL="514350" indent="-514350">
-              <a:buFont typeface="Arial" panose="020B0604020202020204" pitchFamily="34" charset="0"/>
-              <a:buChar char="•"/>
-            </a:pPr>
-            <a:r>
-              <a:rPr lang="en-US" sz="2800" b="1" dirty="0">
-                <a:solidFill>
-                  <a:srgbClr val="707070"/>
-                </a:solidFill>
-                <a:latin typeface="Pragmatica" panose="020B0403040502020204" pitchFamily="34" charset="0"/>
-              </a:rPr>
-              <a:t>The underlying math &amp; philosophy of analytics</a:t>
-            </a:r>
-          </a:p>
-          <a:p>
-            <a:pPr marL="514350" indent="-514350">
-              <a:buFont typeface="Arial" panose="020B0604020202020204" pitchFamily="34" charset="0"/>
-              <a:buChar char="•"/>
-            </a:pPr>
-            <a:r>
-              <a:rPr lang="en-US" sz="2800" b="1" dirty="0">
-                <a:solidFill>
-                  <a:srgbClr val="707070"/>
-                </a:solidFill>
-                <a:latin typeface="Pragmatica" panose="020B0403040502020204" pitchFamily="34" charset="0"/>
-              </a:rPr>
-              <a:t>Data cleaning in R &amp; Python</a:t>
-            </a:r>
-          </a:p>
-          <a:p>
-            <a:pPr marL="514350" indent="-514350">
-              <a:buFont typeface="Arial" panose="020B0604020202020204" pitchFamily="34" charset="0"/>
-              <a:buChar char="•"/>
-            </a:pPr>
-            <a:r>
-              <a:rPr lang="en-US" sz="2800" b="1" dirty="0">
-                <a:solidFill>
-                  <a:srgbClr val="707070"/>
-                </a:solidFill>
-                <a:latin typeface="Pragmatica" panose="020B0403040502020204" pitchFamily="34" charset="0"/>
-              </a:rPr>
-              <a:t>Further data visualizations</a:t>
-            </a:r>
-          </a:p>
-          <a:p>
-            <a:endParaRPr lang="en-US" sz="2800" b="1" dirty="0">
-              <a:solidFill>
-                <a:srgbClr val="707070"/>
-              </a:solidFill>
-              <a:latin typeface="Pragmatica" panose="020B0403040502020204" pitchFamily="34" charset="0"/>
-            </a:endParaRPr>
-          </a:p>
-        </p:txBody>
-      </p:sp>
-      <p:sp>
-        <p:nvSpPr>
-          <p:cNvPr id="17" name="TextBox 16">
-            <a:extLst>
-              <a:ext uri="{FF2B5EF4-FFF2-40B4-BE49-F238E27FC236}">
-                <a16:creationId xmlns:a16="http://schemas.microsoft.com/office/drawing/2014/main" id="{247B7D4D-86A2-4C05-8B53-B00B9FEDB7BD}"/>
-              </a:ext>
-            </a:extLst>
-          </p:cNvPr>
-          <p:cNvSpPr txBox="1"/>
-          <p:nvPr/>
-        </p:nvSpPr>
-        <p:spPr>
-          <a:xfrm>
-            <a:off x="347240" y="113388"/>
-            <a:ext cx="9799937" cy="1015663"/>
-          </a:xfrm>
-          <a:prstGeom prst="rect">
-            <a:avLst/>
-          </a:prstGeom>
-          <a:noFill/>
-        </p:spPr>
-        <p:txBody>
-          <a:bodyPr wrap="square" rtlCol="0">
-            <a:spAutoFit/>
-          </a:bodyPr>
-          <a:lstStyle/>
-          <a:p>
-            <a:r>
-              <a:rPr lang="en-US" sz="6000" dirty="0">
-                <a:latin typeface="Aliens &amp; cows" panose="00000500000000000000" pitchFamily="2" charset="0"/>
-              </a:rPr>
-              <a:t>Cracking the book</a:t>
-            </a:r>
-          </a:p>
-        </p:txBody>
-      </p:sp>
-    </p:spTree>
-    <p:extLst>
-      <p:ext uri="{BB962C8B-B14F-4D97-AF65-F5344CB8AC3E}">
-        <p14:creationId xmlns:p14="http://schemas.microsoft.com/office/powerpoint/2010/main" val="3991979162"/>
-      </p:ext>
-    </p:extLst>
-  </p:cSld>
-  <p:clrMapOvr>
-    <a:masterClrMapping/>
-  </p:clrMapOvr>
-</p:sld>
-</file>
-
-<file path=ppt/slides/slide21.xml><?xml version="1.0" encoding="utf-8"?>
-<p:sld xmlns:a="http://schemas.openxmlformats.org/drawingml/2006/main" xmlns:r="http://schemas.openxmlformats.org/officeDocument/2006/relationships" xmlns:p="http://schemas.openxmlformats.org/presentationml/2006/main">
-  <p:cSld>
-    <p:spTree>
-      <p:nvGrpSpPr>
-        <p:cNvPr id="1" name=""/>
-        <p:cNvGrpSpPr/>
-        <p:nvPr/>
-      </p:nvGrpSpPr>
-      <p:grpSpPr>
-        <a:xfrm>
-          <a:off x="0" y="0"/>
-          <a:ext cx="0" cy="0"/>
-          <a:chOff x="0" y="0"/>
-          <a:chExt cx="0" cy="0"/>
-        </a:xfrm>
-      </p:grpSpPr>
-      <p:pic>
-        <p:nvPicPr>
-          <p:cNvPr id="10" name="Picture 9"/>
-          <p:cNvPicPr>
-            <a:picLocks noChangeAspect="1"/>
-          </p:cNvPicPr>
-          <p:nvPr/>
-        </p:nvPicPr>
-        <p:blipFill rotWithShape="1">
           <a:blip r:embed="rId2">
             <a:extLst>
               <a:ext uri="{28A0092B-C50C-407E-A947-70E740481C1C}">
@@ -8991,7 +8685,7 @@
 </p:sld>
 </file>
 
-<file path=ppt/slides/slide22.xml><?xml version="1.0" encoding="utf-8"?>
+<file path=ppt/slides/slide21.xml><?xml version="1.0" encoding="utf-8"?>
 <p:sld xmlns:a="http://schemas.openxmlformats.org/drawingml/2006/main" xmlns:r="http://schemas.openxmlformats.org/officeDocument/2006/relationships" xmlns:p="http://schemas.openxmlformats.org/presentationml/2006/main">
   <p:cSld>
     <p:spTree>
